--- a/2022년 7월 16일 메타버스.pptx
+++ b/2022년 7월 16일 메타버스.pptx
@@ -119,7 +119,7 @@
   </p:defaultTextStyle>
   <p:extLst>
     <p:ext uri="{EFAFB233-063F-42B5-8137-9DF3F51BA10A}">
-      <p15:sldGuideLst xmlns:p15="http://schemas.microsoft.com/office/powerpoint/2012/main" xmlns="">
+      <p15:sldGuideLst xmlns="" xmlns:p15="http://schemas.microsoft.com/office/powerpoint/2012/main">
         <p15:guide id="1" orient="horz" pos="2160" userDrawn="1">
           <p15:clr>
             <a:srgbClr val="A4A3A4"/>
@@ -264,7 +264,7 @@
             <a:fld id="{93ABF2C0-3C9C-7D49-B24A-64CA7C2343A0}" type="datetimeFigureOut">
               <a:rPr kumimoji="1" lang="x-none" altLang="en-US" smtClean="0"/>
               <a:pPr/>
-              <a:t>2022-07-15</a:t>
+              <a:t>2022-07-16</a:t>
             </a:fld>
             <a:endParaRPr kumimoji="1" lang="x-none" altLang="en-US"/>
           </a:p>
@@ -433,7 +433,7 @@
     </p:spTree>
     <p:extLst>
       <p:ext uri="{BB962C8B-B14F-4D97-AF65-F5344CB8AC3E}">
-        <p14:creationId xmlns:p14="http://schemas.microsoft.com/office/powerpoint/2010/main" xmlns="" val="1498810409"/>
+        <p14:creationId xmlns="" xmlns:p14="http://schemas.microsoft.com/office/powerpoint/2010/main" val="1498810409"/>
       </p:ext>
     </p:extLst>
   </p:cSld>
@@ -555,7 +555,7 @@
           <p:cNvPr id="2" name="제목 1">
             <a:extLst>
               <a:ext uri="{FF2B5EF4-FFF2-40B4-BE49-F238E27FC236}">
-                <a16:creationId xmlns:a16="http://schemas.microsoft.com/office/drawing/2014/main" xmlns="" id="{D21D6D92-C733-1642-8A21-5EECDE35E1A0}"/>
+                <a16:creationId xmlns="" xmlns:a16="http://schemas.microsoft.com/office/drawing/2014/main" id="{D21D6D92-C733-1642-8A21-5EECDE35E1A0}"/>
               </a:ext>
             </a:extLst>
           </p:cNvPr>
@@ -596,7 +596,7 @@
           <p:cNvPr id="3" name="부제목 2">
             <a:extLst>
               <a:ext uri="{FF2B5EF4-FFF2-40B4-BE49-F238E27FC236}">
-                <a16:creationId xmlns:a16="http://schemas.microsoft.com/office/drawing/2014/main" xmlns="" id="{734DE295-A08A-214D-9CBE-5ED378EB32DB}"/>
+                <a16:creationId xmlns="" xmlns:a16="http://schemas.microsoft.com/office/drawing/2014/main" id="{734DE295-A08A-214D-9CBE-5ED378EB32DB}"/>
               </a:ext>
             </a:extLst>
           </p:cNvPr>
@@ -670,7 +670,7 @@
           <p:cNvPr id="4" name="날짜 개체 틀 3">
             <a:extLst>
               <a:ext uri="{FF2B5EF4-FFF2-40B4-BE49-F238E27FC236}">
-                <a16:creationId xmlns:a16="http://schemas.microsoft.com/office/drawing/2014/main" xmlns="" id="{E1CC0D3A-BA10-FC46-9C9F-8A47BEDD4F96}"/>
+                <a16:creationId xmlns="" xmlns:a16="http://schemas.microsoft.com/office/drawing/2014/main" id="{E1CC0D3A-BA10-FC46-9C9F-8A47BEDD4F96}"/>
               </a:ext>
             </a:extLst>
           </p:cNvPr>
@@ -697,7 +697,7 @@
             <a:fld id="{FE20AB6E-091C-844F-ABF9-3EF4C2336578}" type="datetimeFigureOut">
               <a:rPr kumimoji="1" lang="x-none" altLang="en-US" smtClean="0"/>
               <a:pPr/>
-              <a:t>2022-07-15</a:t>
+              <a:t>2022-07-16</a:t>
             </a:fld>
             <a:endParaRPr kumimoji="1" lang="x-none" altLang="en-US"/>
           </a:p>
@@ -708,7 +708,7 @@
           <p:cNvPr id="5" name="바닥글 개체 틀 4">
             <a:extLst>
               <a:ext uri="{FF2B5EF4-FFF2-40B4-BE49-F238E27FC236}">
-                <a16:creationId xmlns:a16="http://schemas.microsoft.com/office/drawing/2014/main" xmlns="" id="{37FE8601-FB8B-9342-AE5B-89A3E0439C70}"/>
+                <a16:creationId xmlns="" xmlns:a16="http://schemas.microsoft.com/office/drawing/2014/main" id="{37FE8601-FB8B-9342-AE5B-89A3E0439C70}"/>
               </a:ext>
             </a:extLst>
           </p:cNvPr>
@@ -741,7 +741,7 @@
           <p:cNvPr id="6" name="슬라이드 번호 개체 틀 5">
             <a:extLst>
               <a:ext uri="{FF2B5EF4-FFF2-40B4-BE49-F238E27FC236}">
-                <a16:creationId xmlns:a16="http://schemas.microsoft.com/office/drawing/2014/main" xmlns="" id="{ED058E05-17A3-BF45-B0DA-D60B846DFB4B}"/>
+                <a16:creationId xmlns="" xmlns:a16="http://schemas.microsoft.com/office/drawing/2014/main" id="{ED058E05-17A3-BF45-B0DA-D60B846DFB4B}"/>
               </a:ext>
             </a:extLst>
           </p:cNvPr>
@@ -777,7 +777,7 @@
     </p:spTree>
     <p:extLst>
       <p:ext uri="{BB962C8B-B14F-4D97-AF65-F5344CB8AC3E}">
-        <p14:creationId xmlns:p14="http://schemas.microsoft.com/office/powerpoint/2010/main" xmlns="" val="12081050"/>
+        <p14:creationId xmlns="" xmlns:p14="http://schemas.microsoft.com/office/powerpoint/2010/main" val="12081050"/>
       </p:ext>
     </p:extLst>
   </p:cSld>
@@ -809,7 +809,7 @@
           <p:cNvPr id="2" name="제목 1">
             <a:extLst>
               <a:ext uri="{FF2B5EF4-FFF2-40B4-BE49-F238E27FC236}">
-                <a16:creationId xmlns:a16="http://schemas.microsoft.com/office/drawing/2014/main" xmlns="" id="{674D90CD-0454-2C43-94B9-D70BD947A5C4}"/>
+                <a16:creationId xmlns="" xmlns:a16="http://schemas.microsoft.com/office/drawing/2014/main" id="{674D90CD-0454-2C43-94B9-D70BD947A5C4}"/>
               </a:ext>
             </a:extLst>
           </p:cNvPr>
@@ -846,7 +846,7 @@
           <p:cNvPr id="3" name="세로 텍스트 개체 틀 2">
             <a:extLst>
               <a:ext uri="{FF2B5EF4-FFF2-40B4-BE49-F238E27FC236}">
-                <a16:creationId xmlns:a16="http://schemas.microsoft.com/office/drawing/2014/main" xmlns="" id="{858A2CB1-9A70-A542-8270-D9FCD307C6A0}"/>
+                <a16:creationId xmlns="" xmlns:a16="http://schemas.microsoft.com/office/drawing/2014/main" id="{858A2CB1-9A70-A542-8270-D9FCD307C6A0}"/>
               </a:ext>
             </a:extLst>
           </p:cNvPr>
@@ -912,7 +912,7 @@
           <p:cNvPr id="4" name="날짜 개체 틀 3">
             <a:extLst>
               <a:ext uri="{FF2B5EF4-FFF2-40B4-BE49-F238E27FC236}">
-                <a16:creationId xmlns:a16="http://schemas.microsoft.com/office/drawing/2014/main" xmlns="" id="{166ECFFA-44BE-5742-8DF8-D72529A7E041}"/>
+                <a16:creationId xmlns="" xmlns:a16="http://schemas.microsoft.com/office/drawing/2014/main" id="{166ECFFA-44BE-5742-8DF8-D72529A7E041}"/>
               </a:ext>
             </a:extLst>
           </p:cNvPr>
@@ -939,7 +939,7 @@
             <a:fld id="{FE20AB6E-091C-844F-ABF9-3EF4C2336578}" type="datetimeFigureOut">
               <a:rPr kumimoji="1" lang="x-none" altLang="en-US" smtClean="0"/>
               <a:pPr/>
-              <a:t>2022-07-15</a:t>
+              <a:t>2022-07-16</a:t>
             </a:fld>
             <a:endParaRPr kumimoji="1" lang="x-none" altLang="en-US"/>
           </a:p>
@@ -950,7 +950,7 @@
           <p:cNvPr id="5" name="바닥글 개체 틀 4">
             <a:extLst>
               <a:ext uri="{FF2B5EF4-FFF2-40B4-BE49-F238E27FC236}">
-                <a16:creationId xmlns:a16="http://schemas.microsoft.com/office/drawing/2014/main" xmlns="" id="{90AA712B-F4A3-9548-8006-8C6A33136989}"/>
+                <a16:creationId xmlns="" xmlns:a16="http://schemas.microsoft.com/office/drawing/2014/main" id="{90AA712B-F4A3-9548-8006-8C6A33136989}"/>
               </a:ext>
             </a:extLst>
           </p:cNvPr>
@@ -983,7 +983,7 @@
           <p:cNvPr id="6" name="슬라이드 번호 개체 틀 5">
             <a:extLst>
               <a:ext uri="{FF2B5EF4-FFF2-40B4-BE49-F238E27FC236}">
-                <a16:creationId xmlns:a16="http://schemas.microsoft.com/office/drawing/2014/main" xmlns="" id="{E78572B2-8B03-ED42-831C-7E5F3A7C35D7}"/>
+                <a16:creationId xmlns="" xmlns:a16="http://schemas.microsoft.com/office/drawing/2014/main" id="{E78572B2-8B03-ED42-831C-7E5F3A7C35D7}"/>
               </a:ext>
             </a:extLst>
           </p:cNvPr>
@@ -1019,7 +1019,7 @@
     </p:spTree>
     <p:extLst>
       <p:ext uri="{BB962C8B-B14F-4D97-AF65-F5344CB8AC3E}">
-        <p14:creationId xmlns:p14="http://schemas.microsoft.com/office/powerpoint/2010/main" xmlns="" val="2426936385"/>
+        <p14:creationId xmlns="" xmlns:p14="http://schemas.microsoft.com/office/powerpoint/2010/main" val="2426936385"/>
       </p:ext>
     </p:extLst>
   </p:cSld>
@@ -1051,7 +1051,7 @@
           <p:cNvPr id="2" name="세로 제목 1">
             <a:extLst>
               <a:ext uri="{FF2B5EF4-FFF2-40B4-BE49-F238E27FC236}">
-                <a16:creationId xmlns:a16="http://schemas.microsoft.com/office/drawing/2014/main" xmlns="" id="{33DB958B-9F52-5047-BA9C-CCD563B56D7B}"/>
+                <a16:creationId xmlns="" xmlns:a16="http://schemas.microsoft.com/office/drawing/2014/main" id="{33DB958B-9F52-5047-BA9C-CCD563B56D7B}"/>
               </a:ext>
             </a:extLst>
           </p:cNvPr>
@@ -1088,7 +1088,7 @@
           <p:cNvPr id="3" name="세로 텍스트 개체 틀 2">
             <a:extLst>
               <a:ext uri="{FF2B5EF4-FFF2-40B4-BE49-F238E27FC236}">
-                <a16:creationId xmlns:a16="http://schemas.microsoft.com/office/drawing/2014/main" xmlns="" id="{422964C8-EE40-014B-B029-2F0B840EE9EA}"/>
+                <a16:creationId xmlns="" xmlns:a16="http://schemas.microsoft.com/office/drawing/2014/main" id="{422964C8-EE40-014B-B029-2F0B840EE9EA}"/>
               </a:ext>
             </a:extLst>
           </p:cNvPr>
@@ -1154,7 +1154,7 @@
           <p:cNvPr id="4" name="날짜 개체 틀 3">
             <a:extLst>
               <a:ext uri="{FF2B5EF4-FFF2-40B4-BE49-F238E27FC236}">
-                <a16:creationId xmlns:a16="http://schemas.microsoft.com/office/drawing/2014/main" xmlns="" id="{5B4F3365-A4A2-264C-945A-DCBA1B6E6593}"/>
+                <a16:creationId xmlns="" xmlns:a16="http://schemas.microsoft.com/office/drawing/2014/main" id="{5B4F3365-A4A2-264C-945A-DCBA1B6E6593}"/>
               </a:ext>
             </a:extLst>
           </p:cNvPr>
@@ -1181,7 +1181,7 @@
             <a:fld id="{FE20AB6E-091C-844F-ABF9-3EF4C2336578}" type="datetimeFigureOut">
               <a:rPr kumimoji="1" lang="x-none" altLang="en-US" smtClean="0"/>
               <a:pPr/>
-              <a:t>2022-07-15</a:t>
+              <a:t>2022-07-16</a:t>
             </a:fld>
             <a:endParaRPr kumimoji="1" lang="x-none" altLang="en-US"/>
           </a:p>
@@ -1192,7 +1192,7 @@
           <p:cNvPr id="5" name="바닥글 개체 틀 4">
             <a:extLst>
               <a:ext uri="{FF2B5EF4-FFF2-40B4-BE49-F238E27FC236}">
-                <a16:creationId xmlns:a16="http://schemas.microsoft.com/office/drawing/2014/main" xmlns="" id="{3A3C17BB-7479-F74C-8605-96575BDE0D82}"/>
+                <a16:creationId xmlns="" xmlns:a16="http://schemas.microsoft.com/office/drawing/2014/main" id="{3A3C17BB-7479-F74C-8605-96575BDE0D82}"/>
               </a:ext>
             </a:extLst>
           </p:cNvPr>
@@ -1225,7 +1225,7 @@
           <p:cNvPr id="6" name="슬라이드 번호 개체 틀 5">
             <a:extLst>
               <a:ext uri="{FF2B5EF4-FFF2-40B4-BE49-F238E27FC236}">
-                <a16:creationId xmlns:a16="http://schemas.microsoft.com/office/drawing/2014/main" xmlns="" id="{C4511452-4FD6-374E-9D80-EE209AA3E840}"/>
+                <a16:creationId xmlns="" xmlns:a16="http://schemas.microsoft.com/office/drawing/2014/main" id="{C4511452-4FD6-374E-9D80-EE209AA3E840}"/>
               </a:ext>
             </a:extLst>
           </p:cNvPr>
@@ -1261,7 +1261,7 @@
     </p:spTree>
     <p:extLst>
       <p:ext uri="{BB962C8B-B14F-4D97-AF65-F5344CB8AC3E}">
-        <p14:creationId xmlns:p14="http://schemas.microsoft.com/office/powerpoint/2010/main" xmlns="" val="3521214391"/>
+        <p14:creationId xmlns="" xmlns:p14="http://schemas.microsoft.com/office/powerpoint/2010/main" val="3521214391"/>
       </p:ext>
     </p:extLst>
   </p:cSld>
@@ -1391,7 +1391,7 @@
             <a:fld id="{1D8BD707-D9CF-40AE-B4C6-C98DA3205C09}" type="datetimeFigureOut">
               <a:rPr lang="en-US"/>
               <a:pPr/>
-              <a:t>7/15/2022</a:t>
+              <a:t>7/16/2022</a:t>
             </a:fld>
             <a:endParaRPr lang="en-US"/>
           </a:p>
@@ -1443,7 +1443,7 @@
     </p:spTree>
     <p:extLst>
       <p:ext uri="{BB962C8B-B14F-4D97-AF65-F5344CB8AC3E}">
-        <p14:creationId xmlns:p14="http://schemas.microsoft.com/office/powerpoint/2010/main" xmlns="" val="2232792096"/>
+        <p14:creationId xmlns="" xmlns:p14="http://schemas.microsoft.com/office/powerpoint/2010/main" val="2232792096"/>
       </p:ext>
     </p:extLst>
   </p:cSld>
@@ -1475,7 +1475,7 @@
           <p:cNvPr id="2" name="제목 1">
             <a:extLst>
               <a:ext uri="{FF2B5EF4-FFF2-40B4-BE49-F238E27FC236}">
-                <a16:creationId xmlns:a16="http://schemas.microsoft.com/office/drawing/2014/main" xmlns="" id="{0013328A-F6B8-9340-A6CF-F201493A3506}"/>
+                <a16:creationId xmlns="" xmlns:a16="http://schemas.microsoft.com/office/drawing/2014/main" id="{0013328A-F6B8-9340-A6CF-F201493A3506}"/>
               </a:ext>
             </a:extLst>
           </p:cNvPr>
@@ -1512,7 +1512,7 @@
           <p:cNvPr id="3" name="내용 개체 틀 2">
             <a:extLst>
               <a:ext uri="{FF2B5EF4-FFF2-40B4-BE49-F238E27FC236}">
-                <a16:creationId xmlns:a16="http://schemas.microsoft.com/office/drawing/2014/main" xmlns="" id="{6ABED714-468C-514D-AD3B-7F3757A85B56}"/>
+                <a16:creationId xmlns="" xmlns:a16="http://schemas.microsoft.com/office/drawing/2014/main" id="{6ABED714-468C-514D-AD3B-7F3757A85B56}"/>
               </a:ext>
             </a:extLst>
           </p:cNvPr>
@@ -1578,7 +1578,7 @@
           <p:cNvPr id="9" name="바닥글 개체 틀 4">
             <a:extLst>
               <a:ext uri="{FF2B5EF4-FFF2-40B4-BE49-F238E27FC236}">
-                <a16:creationId xmlns:a16="http://schemas.microsoft.com/office/drawing/2014/main" xmlns="" id="{941514A0-0E2E-BA46-AF02-70942E3A9028}"/>
+                <a16:creationId xmlns="" xmlns:a16="http://schemas.microsoft.com/office/drawing/2014/main" id="{941514A0-0E2E-BA46-AF02-70942E3A9028}"/>
               </a:ext>
             </a:extLst>
           </p:cNvPr>
@@ -1763,7 +1763,7 @@
           <p:cNvPr id="12" name="바닥글 개체 틀 4">
             <a:extLst>
               <a:ext uri="{FF2B5EF4-FFF2-40B4-BE49-F238E27FC236}">
-                <a16:creationId xmlns:a16="http://schemas.microsoft.com/office/drawing/2014/main" xmlns="" id="{A1B7307E-0CA1-F649-9850-0C58E51E42FD}"/>
+                <a16:creationId xmlns="" xmlns:a16="http://schemas.microsoft.com/office/drawing/2014/main" id="{A1B7307E-0CA1-F649-9850-0C58E51E42FD}"/>
               </a:ext>
             </a:extLst>
           </p:cNvPr>
@@ -1910,7 +1910,7 @@
     </p:spTree>
     <p:extLst>
       <p:ext uri="{BB962C8B-B14F-4D97-AF65-F5344CB8AC3E}">
-        <p14:creationId xmlns:p14="http://schemas.microsoft.com/office/powerpoint/2010/main" xmlns="" val="1946730765"/>
+        <p14:creationId xmlns="" xmlns:p14="http://schemas.microsoft.com/office/powerpoint/2010/main" val="1946730765"/>
       </p:ext>
     </p:extLst>
   </p:cSld>
@@ -1942,7 +1942,7 @@
           <p:cNvPr id="2" name="제목 1">
             <a:extLst>
               <a:ext uri="{FF2B5EF4-FFF2-40B4-BE49-F238E27FC236}">
-                <a16:creationId xmlns:a16="http://schemas.microsoft.com/office/drawing/2014/main" xmlns="" id="{A4A4847D-5BB9-3945-B766-0EADB962F3FB}"/>
+                <a16:creationId xmlns="" xmlns:a16="http://schemas.microsoft.com/office/drawing/2014/main" id="{A4A4847D-5BB9-3945-B766-0EADB962F3FB}"/>
               </a:ext>
             </a:extLst>
           </p:cNvPr>
@@ -1983,7 +1983,7 @@
           <p:cNvPr id="3" name="텍스트 개체 틀 2">
             <a:extLst>
               <a:ext uri="{FF2B5EF4-FFF2-40B4-BE49-F238E27FC236}">
-                <a16:creationId xmlns:a16="http://schemas.microsoft.com/office/drawing/2014/main" xmlns="" id="{DA1BB496-D39C-A348-B1C7-B386FFA317AC}"/>
+                <a16:creationId xmlns="" xmlns:a16="http://schemas.microsoft.com/office/drawing/2014/main" id="{DA1BB496-D39C-A348-B1C7-B386FFA317AC}"/>
               </a:ext>
             </a:extLst>
           </p:cNvPr>
@@ -2111,7 +2111,7 @@
           <p:cNvPr id="4" name="날짜 개체 틀 3">
             <a:extLst>
               <a:ext uri="{FF2B5EF4-FFF2-40B4-BE49-F238E27FC236}">
-                <a16:creationId xmlns:a16="http://schemas.microsoft.com/office/drawing/2014/main" xmlns="" id="{CA45830F-5288-AD4A-A2E0-37872AD0746F}"/>
+                <a16:creationId xmlns="" xmlns:a16="http://schemas.microsoft.com/office/drawing/2014/main" id="{CA45830F-5288-AD4A-A2E0-37872AD0746F}"/>
               </a:ext>
             </a:extLst>
           </p:cNvPr>
@@ -2138,7 +2138,7 @@
             <a:fld id="{FE20AB6E-091C-844F-ABF9-3EF4C2336578}" type="datetimeFigureOut">
               <a:rPr kumimoji="1" lang="x-none" altLang="en-US" smtClean="0"/>
               <a:pPr/>
-              <a:t>2022-07-15</a:t>
+              <a:t>2022-07-16</a:t>
             </a:fld>
             <a:endParaRPr kumimoji="1" lang="x-none" altLang="en-US"/>
           </a:p>
@@ -2149,7 +2149,7 @@
           <p:cNvPr id="5" name="바닥글 개체 틀 4">
             <a:extLst>
               <a:ext uri="{FF2B5EF4-FFF2-40B4-BE49-F238E27FC236}">
-                <a16:creationId xmlns:a16="http://schemas.microsoft.com/office/drawing/2014/main" xmlns="" id="{08FBB8B9-4371-B547-9056-9CAD36306159}"/>
+                <a16:creationId xmlns="" xmlns:a16="http://schemas.microsoft.com/office/drawing/2014/main" id="{08FBB8B9-4371-B547-9056-9CAD36306159}"/>
               </a:ext>
             </a:extLst>
           </p:cNvPr>
@@ -2182,7 +2182,7 @@
           <p:cNvPr id="6" name="슬라이드 번호 개체 틀 5">
             <a:extLst>
               <a:ext uri="{FF2B5EF4-FFF2-40B4-BE49-F238E27FC236}">
-                <a16:creationId xmlns:a16="http://schemas.microsoft.com/office/drawing/2014/main" xmlns="" id="{E34FBC5E-9EA0-D242-A86E-C38E6481D4CF}"/>
+                <a16:creationId xmlns="" xmlns:a16="http://schemas.microsoft.com/office/drawing/2014/main" id="{E34FBC5E-9EA0-D242-A86E-C38E6481D4CF}"/>
               </a:ext>
             </a:extLst>
           </p:cNvPr>
@@ -2218,7 +2218,7 @@
     </p:spTree>
     <p:extLst>
       <p:ext uri="{BB962C8B-B14F-4D97-AF65-F5344CB8AC3E}">
-        <p14:creationId xmlns:p14="http://schemas.microsoft.com/office/powerpoint/2010/main" xmlns="" val="2729888429"/>
+        <p14:creationId xmlns="" xmlns:p14="http://schemas.microsoft.com/office/powerpoint/2010/main" val="2729888429"/>
       </p:ext>
     </p:extLst>
   </p:cSld>
@@ -2250,7 +2250,7 @@
           <p:cNvPr id="2" name="제목 1">
             <a:extLst>
               <a:ext uri="{FF2B5EF4-FFF2-40B4-BE49-F238E27FC236}">
-                <a16:creationId xmlns:a16="http://schemas.microsoft.com/office/drawing/2014/main" xmlns="" id="{D8D61643-B596-A047-9645-3B031F04BD39}"/>
+                <a16:creationId xmlns="" xmlns:a16="http://schemas.microsoft.com/office/drawing/2014/main" id="{D8D61643-B596-A047-9645-3B031F04BD39}"/>
               </a:ext>
             </a:extLst>
           </p:cNvPr>
@@ -2287,7 +2287,7 @@
           <p:cNvPr id="3" name="내용 개체 틀 2">
             <a:extLst>
               <a:ext uri="{FF2B5EF4-FFF2-40B4-BE49-F238E27FC236}">
-                <a16:creationId xmlns:a16="http://schemas.microsoft.com/office/drawing/2014/main" xmlns="" id="{D69768D8-8CB5-CE49-BE27-1A15A71433FB}"/>
+                <a16:creationId xmlns="" xmlns:a16="http://schemas.microsoft.com/office/drawing/2014/main" id="{D69768D8-8CB5-CE49-BE27-1A15A71433FB}"/>
               </a:ext>
             </a:extLst>
           </p:cNvPr>
@@ -2353,7 +2353,7 @@
           <p:cNvPr id="4" name="내용 개체 틀 3">
             <a:extLst>
               <a:ext uri="{FF2B5EF4-FFF2-40B4-BE49-F238E27FC236}">
-                <a16:creationId xmlns:a16="http://schemas.microsoft.com/office/drawing/2014/main" xmlns="" id="{382824C5-10C8-0440-AFA3-54CAE764843F}"/>
+                <a16:creationId xmlns="" xmlns:a16="http://schemas.microsoft.com/office/drawing/2014/main" id="{382824C5-10C8-0440-AFA3-54CAE764843F}"/>
               </a:ext>
             </a:extLst>
           </p:cNvPr>
@@ -2419,7 +2419,7 @@
           <p:cNvPr id="5" name="날짜 개체 틀 4">
             <a:extLst>
               <a:ext uri="{FF2B5EF4-FFF2-40B4-BE49-F238E27FC236}">
-                <a16:creationId xmlns:a16="http://schemas.microsoft.com/office/drawing/2014/main" xmlns="" id="{93E330CA-6D69-E64A-A9AB-C3B9D30EE96A}"/>
+                <a16:creationId xmlns="" xmlns:a16="http://schemas.microsoft.com/office/drawing/2014/main" id="{93E330CA-6D69-E64A-A9AB-C3B9D30EE96A}"/>
               </a:ext>
             </a:extLst>
           </p:cNvPr>
@@ -2446,7 +2446,7 @@
             <a:fld id="{FE20AB6E-091C-844F-ABF9-3EF4C2336578}" type="datetimeFigureOut">
               <a:rPr kumimoji="1" lang="x-none" altLang="en-US" smtClean="0"/>
               <a:pPr/>
-              <a:t>2022-07-15</a:t>
+              <a:t>2022-07-16</a:t>
             </a:fld>
             <a:endParaRPr kumimoji="1" lang="x-none" altLang="en-US"/>
           </a:p>
@@ -2457,7 +2457,7 @@
           <p:cNvPr id="6" name="바닥글 개체 틀 5">
             <a:extLst>
               <a:ext uri="{FF2B5EF4-FFF2-40B4-BE49-F238E27FC236}">
-                <a16:creationId xmlns:a16="http://schemas.microsoft.com/office/drawing/2014/main" xmlns="" id="{9E4499F5-CB43-7548-AE88-8913897F4021}"/>
+                <a16:creationId xmlns="" xmlns:a16="http://schemas.microsoft.com/office/drawing/2014/main" id="{9E4499F5-CB43-7548-AE88-8913897F4021}"/>
               </a:ext>
             </a:extLst>
           </p:cNvPr>
@@ -2490,7 +2490,7 @@
           <p:cNvPr id="7" name="슬라이드 번호 개체 틀 6">
             <a:extLst>
               <a:ext uri="{FF2B5EF4-FFF2-40B4-BE49-F238E27FC236}">
-                <a16:creationId xmlns:a16="http://schemas.microsoft.com/office/drawing/2014/main" xmlns="" id="{8E5C009E-C0C3-4E49-AA09-4315BA83AA05}"/>
+                <a16:creationId xmlns="" xmlns:a16="http://schemas.microsoft.com/office/drawing/2014/main" id="{8E5C009E-C0C3-4E49-AA09-4315BA83AA05}"/>
               </a:ext>
             </a:extLst>
           </p:cNvPr>
@@ -2526,7 +2526,7 @@
     </p:spTree>
     <p:extLst>
       <p:ext uri="{BB962C8B-B14F-4D97-AF65-F5344CB8AC3E}">
-        <p14:creationId xmlns:p14="http://schemas.microsoft.com/office/powerpoint/2010/main" xmlns="" val="52935017"/>
+        <p14:creationId xmlns="" xmlns:p14="http://schemas.microsoft.com/office/powerpoint/2010/main" val="52935017"/>
       </p:ext>
     </p:extLst>
   </p:cSld>
@@ -2558,7 +2558,7 @@
           <p:cNvPr id="2" name="제목 1">
             <a:extLst>
               <a:ext uri="{FF2B5EF4-FFF2-40B4-BE49-F238E27FC236}">
-                <a16:creationId xmlns:a16="http://schemas.microsoft.com/office/drawing/2014/main" xmlns="" id="{7C01811D-13C0-7D4D-97E1-55EC89D114B6}"/>
+                <a16:creationId xmlns="" xmlns:a16="http://schemas.microsoft.com/office/drawing/2014/main" id="{7C01811D-13C0-7D4D-97E1-55EC89D114B6}"/>
               </a:ext>
             </a:extLst>
           </p:cNvPr>
@@ -2595,7 +2595,7 @@
           <p:cNvPr id="3" name="텍스트 개체 틀 2">
             <a:extLst>
               <a:ext uri="{FF2B5EF4-FFF2-40B4-BE49-F238E27FC236}">
-                <a16:creationId xmlns:a16="http://schemas.microsoft.com/office/drawing/2014/main" xmlns="" id="{37C1E064-92DA-D240-923C-9AC3F2ED7E96}"/>
+                <a16:creationId xmlns="" xmlns:a16="http://schemas.microsoft.com/office/drawing/2014/main" id="{37C1E064-92DA-D240-923C-9AC3F2ED7E96}"/>
               </a:ext>
             </a:extLst>
           </p:cNvPr>
@@ -2669,7 +2669,7 @@
           <p:cNvPr id="4" name="내용 개체 틀 3">
             <a:extLst>
               <a:ext uri="{FF2B5EF4-FFF2-40B4-BE49-F238E27FC236}">
-                <a16:creationId xmlns:a16="http://schemas.microsoft.com/office/drawing/2014/main" xmlns="" id="{1E646141-444B-2445-AD00-9311E7F86375}"/>
+                <a16:creationId xmlns="" xmlns:a16="http://schemas.microsoft.com/office/drawing/2014/main" id="{1E646141-444B-2445-AD00-9311E7F86375}"/>
               </a:ext>
             </a:extLst>
           </p:cNvPr>
@@ -2735,7 +2735,7 @@
           <p:cNvPr id="5" name="텍스트 개체 틀 4">
             <a:extLst>
               <a:ext uri="{FF2B5EF4-FFF2-40B4-BE49-F238E27FC236}">
-                <a16:creationId xmlns:a16="http://schemas.microsoft.com/office/drawing/2014/main" xmlns="" id="{7DE916FB-92A2-B049-803C-C91062CAE2C7}"/>
+                <a16:creationId xmlns="" xmlns:a16="http://schemas.microsoft.com/office/drawing/2014/main" id="{7DE916FB-92A2-B049-803C-C91062CAE2C7}"/>
               </a:ext>
             </a:extLst>
           </p:cNvPr>
@@ -2809,7 +2809,7 @@
           <p:cNvPr id="6" name="내용 개체 틀 5">
             <a:extLst>
               <a:ext uri="{FF2B5EF4-FFF2-40B4-BE49-F238E27FC236}">
-                <a16:creationId xmlns:a16="http://schemas.microsoft.com/office/drawing/2014/main" xmlns="" id="{ED708E14-E7D4-9540-B3AF-3C050AE9B6E8}"/>
+                <a16:creationId xmlns="" xmlns:a16="http://schemas.microsoft.com/office/drawing/2014/main" id="{ED708E14-E7D4-9540-B3AF-3C050AE9B6E8}"/>
               </a:ext>
             </a:extLst>
           </p:cNvPr>
@@ -2875,7 +2875,7 @@
           <p:cNvPr id="7" name="날짜 개체 틀 6">
             <a:extLst>
               <a:ext uri="{FF2B5EF4-FFF2-40B4-BE49-F238E27FC236}">
-                <a16:creationId xmlns:a16="http://schemas.microsoft.com/office/drawing/2014/main" xmlns="" id="{53F67C61-BA5F-C94C-8197-B4E5CC333CA5}"/>
+                <a16:creationId xmlns="" xmlns:a16="http://schemas.microsoft.com/office/drawing/2014/main" id="{53F67C61-BA5F-C94C-8197-B4E5CC333CA5}"/>
               </a:ext>
             </a:extLst>
           </p:cNvPr>
@@ -2902,7 +2902,7 @@
             <a:fld id="{FE20AB6E-091C-844F-ABF9-3EF4C2336578}" type="datetimeFigureOut">
               <a:rPr kumimoji="1" lang="x-none" altLang="en-US" smtClean="0"/>
               <a:pPr/>
-              <a:t>2022-07-15</a:t>
+              <a:t>2022-07-16</a:t>
             </a:fld>
             <a:endParaRPr kumimoji="1" lang="x-none" altLang="en-US"/>
           </a:p>
@@ -2913,7 +2913,7 @@
           <p:cNvPr id="8" name="바닥글 개체 틀 7">
             <a:extLst>
               <a:ext uri="{FF2B5EF4-FFF2-40B4-BE49-F238E27FC236}">
-                <a16:creationId xmlns:a16="http://schemas.microsoft.com/office/drawing/2014/main" xmlns="" id="{74E93593-D556-414B-870F-070ED2DD8E7E}"/>
+                <a16:creationId xmlns="" xmlns:a16="http://schemas.microsoft.com/office/drawing/2014/main" id="{74E93593-D556-414B-870F-070ED2DD8E7E}"/>
               </a:ext>
             </a:extLst>
           </p:cNvPr>
@@ -2946,7 +2946,7 @@
           <p:cNvPr id="9" name="슬라이드 번호 개체 틀 8">
             <a:extLst>
               <a:ext uri="{FF2B5EF4-FFF2-40B4-BE49-F238E27FC236}">
-                <a16:creationId xmlns:a16="http://schemas.microsoft.com/office/drawing/2014/main" xmlns="" id="{F683A9B5-F0BA-4A4D-ADD3-94E58522F277}"/>
+                <a16:creationId xmlns="" xmlns:a16="http://schemas.microsoft.com/office/drawing/2014/main" id="{F683A9B5-F0BA-4A4D-ADD3-94E58522F277}"/>
               </a:ext>
             </a:extLst>
           </p:cNvPr>
@@ -2982,7 +2982,7 @@
     </p:spTree>
     <p:extLst>
       <p:ext uri="{BB962C8B-B14F-4D97-AF65-F5344CB8AC3E}">
-        <p14:creationId xmlns:p14="http://schemas.microsoft.com/office/powerpoint/2010/main" xmlns="" val="1098682778"/>
+        <p14:creationId xmlns="" xmlns:p14="http://schemas.microsoft.com/office/powerpoint/2010/main" val="1098682778"/>
       </p:ext>
     </p:extLst>
   </p:cSld>
@@ -3014,7 +3014,7 @@
           <p:cNvPr id="2" name="제목 1">
             <a:extLst>
               <a:ext uri="{FF2B5EF4-FFF2-40B4-BE49-F238E27FC236}">
-                <a16:creationId xmlns:a16="http://schemas.microsoft.com/office/drawing/2014/main" xmlns="" id="{6E247AC5-73FB-784E-8DED-62B507C3BE69}"/>
+                <a16:creationId xmlns="" xmlns:a16="http://schemas.microsoft.com/office/drawing/2014/main" id="{6E247AC5-73FB-784E-8DED-62B507C3BE69}"/>
               </a:ext>
             </a:extLst>
           </p:cNvPr>
@@ -3051,7 +3051,7 @@
           <p:cNvPr id="3" name="날짜 개체 틀 2">
             <a:extLst>
               <a:ext uri="{FF2B5EF4-FFF2-40B4-BE49-F238E27FC236}">
-                <a16:creationId xmlns:a16="http://schemas.microsoft.com/office/drawing/2014/main" xmlns="" id="{A02F08E0-3E03-5B48-9DFC-6EAA12453D14}"/>
+                <a16:creationId xmlns="" xmlns:a16="http://schemas.microsoft.com/office/drawing/2014/main" id="{A02F08E0-3E03-5B48-9DFC-6EAA12453D14}"/>
               </a:ext>
             </a:extLst>
           </p:cNvPr>
@@ -3078,7 +3078,7 @@
             <a:fld id="{FE20AB6E-091C-844F-ABF9-3EF4C2336578}" type="datetimeFigureOut">
               <a:rPr kumimoji="1" lang="x-none" altLang="en-US" smtClean="0"/>
               <a:pPr/>
-              <a:t>2022-07-15</a:t>
+              <a:t>2022-07-16</a:t>
             </a:fld>
             <a:endParaRPr kumimoji="1" lang="x-none" altLang="en-US"/>
           </a:p>
@@ -3089,7 +3089,7 @@
           <p:cNvPr id="4" name="바닥글 개체 틀 3">
             <a:extLst>
               <a:ext uri="{FF2B5EF4-FFF2-40B4-BE49-F238E27FC236}">
-                <a16:creationId xmlns:a16="http://schemas.microsoft.com/office/drawing/2014/main" xmlns="" id="{8DD16769-D995-5C40-89FE-F137209F49AE}"/>
+                <a16:creationId xmlns="" xmlns:a16="http://schemas.microsoft.com/office/drawing/2014/main" id="{8DD16769-D995-5C40-89FE-F137209F49AE}"/>
               </a:ext>
             </a:extLst>
           </p:cNvPr>
@@ -3122,7 +3122,7 @@
           <p:cNvPr id="5" name="슬라이드 번호 개체 틀 4">
             <a:extLst>
               <a:ext uri="{FF2B5EF4-FFF2-40B4-BE49-F238E27FC236}">
-                <a16:creationId xmlns:a16="http://schemas.microsoft.com/office/drawing/2014/main" xmlns="" id="{146A01EA-2EA0-9447-9D9E-05ADEE1939F1}"/>
+                <a16:creationId xmlns="" xmlns:a16="http://schemas.microsoft.com/office/drawing/2014/main" id="{146A01EA-2EA0-9447-9D9E-05ADEE1939F1}"/>
               </a:ext>
             </a:extLst>
           </p:cNvPr>
@@ -3158,7 +3158,7 @@
     </p:spTree>
     <p:extLst>
       <p:ext uri="{BB962C8B-B14F-4D97-AF65-F5344CB8AC3E}">
-        <p14:creationId xmlns:p14="http://schemas.microsoft.com/office/powerpoint/2010/main" xmlns="" val="1833252104"/>
+        <p14:creationId xmlns="" xmlns:p14="http://schemas.microsoft.com/office/powerpoint/2010/main" val="1833252104"/>
       </p:ext>
     </p:extLst>
   </p:cSld>
@@ -3190,7 +3190,7 @@
           <p:cNvPr id="2" name="날짜 개체 틀 1">
             <a:extLst>
               <a:ext uri="{FF2B5EF4-FFF2-40B4-BE49-F238E27FC236}">
-                <a16:creationId xmlns:a16="http://schemas.microsoft.com/office/drawing/2014/main" xmlns="" id="{55C02455-6981-B74F-8B79-6DF8073784A1}"/>
+                <a16:creationId xmlns="" xmlns:a16="http://schemas.microsoft.com/office/drawing/2014/main" id="{55C02455-6981-B74F-8B79-6DF8073784A1}"/>
               </a:ext>
             </a:extLst>
           </p:cNvPr>
@@ -3217,7 +3217,7 @@
             <a:fld id="{FE20AB6E-091C-844F-ABF9-3EF4C2336578}" type="datetimeFigureOut">
               <a:rPr kumimoji="1" lang="x-none" altLang="en-US" smtClean="0"/>
               <a:pPr/>
-              <a:t>2022-07-15</a:t>
+              <a:t>2022-07-16</a:t>
             </a:fld>
             <a:endParaRPr kumimoji="1" lang="x-none" altLang="en-US"/>
           </a:p>
@@ -3228,7 +3228,7 @@
           <p:cNvPr id="3" name="바닥글 개체 틀 2">
             <a:extLst>
               <a:ext uri="{FF2B5EF4-FFF2-40B4-BE49-F238E27FC236}">
-                <a16:creationId xmlns:a16="http://schemas.microsoft.com/office/drawing/2014/main" xmlns="" id="{51F68BC3-AA06-B646-85C0-3754C40CDDA9}"/>
+                <a16:creationId xmlns="" xmlns:a16="http://schemas.microsoft.com/office/drawing/2014/main" id="{51F68BC3-AA06-B646-85C0-3754C40CDDA9}"/>
               </a:ext>
             </a:extLst>
           </p:cNvPr>
@@ -3261,7 +3261,7 @@
           <p:cNvPr id="4" name="슬라이드 번호 개체 틀 3">
             <a:extLst>
               <a:ext uri="{FF2B5EF4-FFF2-40B4-BE49-F238E27FC236}">
-                <a16:creationId xmlns:a16="http://schemas.microsoft.com/office/drawing/2014/main" xmlns="" id="{B4CD303D-6A7D-4645-A406-F22C50CE834D}"/>
+                <a16:creationId xmlns="" xmlns:a16="http://schemas.microsoft.com/office/drawing/2014/main" id="{B4CD303D-6A7D-4645-A406-F22C50CE834D}"/>
               </a:ext>
             </a:extLst>
           </p:cNvPr>
@@ -3297,7 +3297,7 @@
     </p:spTree>
     <p:extLst>
       <p:ext uri="{BB962C8B-B14F-4D97-AF65-F5344CB8AC3E}">
-        <p14:creationId xmlns:p14="http://schemas.microsoft.com/office/powerpoint/2010/main" xmlns="" val="866168486"/>
+        <p14:creationId xmlns="" xmlns:p14="http://schemas.microsoft.com/office/powerpoint/2010/main" val="866168486"/>
       </p:ext>
     </p:extLst>
   </p:cSld>
@@ -3329,7 +3329,7 @@
           <p:cNvPr id="2" name="제목 1">
             <a:extLst>
               <a:ext uri="{FF2B5EF4-FFF2-40B4-BE49-F238E27FC236}">
-                <a16:creationId xmlns:a16="http://schemas.microsoft.com/office/drawing/2014/main" xmlns="" id="{5C55B9B3-27DD-734F-883B-BC021ABE031F}"/>
+                <a16:creationId xmlns="" xmlns:a16="http://schemas.microsoft.com/office/drawing/2014/main" id="{5C55B9B3-27DD-734F-883B-BC021ABE031F}"/>
               </a:ext>
             </a:extLst>
           </p:cNvPr>
@@ -3370,7 +3370,7 @@
           <p:cNvPr id="3" name="내용 개체 틀 2">
             <a:extLst>
               <a:ext uri="{FF2B5EF4-FFF2-40B4-BE49-F238E27FC236}">
-                <a16:creationId xmlns:a16="http://schemas.microsoft.com/office/drawing/2014/main" xmlns="" id="{3CE9FE82-CCA8-E240-AB65-75A84F9021BE}"/>
+                <a16:creationId xmlns="" xmlns:a16="http://schemas.microsoft.com/office/drawing/2014/main" id="{3CE9FE82-CCA8-E240-AB65-75A84F9021BE}"/>
               </a:ext>
             </a:extLst>
           </p:cNvPr>
@@ -3464,7 +3464,7 @@
           <p:cNvPr id="4" name="텍스트 개체 틀 3">
             <a:extLst>
               <a:ext uri="{FF2B5EF4-FFF2-40B4-BE49-F238E27FC236}">
-                <a16:creationId xmlns:a16="http://schemas.microsoft.com/office/drawing/2014/main" xmlns="" id="{4BB8436B-5FE2-1447-9EC3-BEAF9A68C39B}"/>
+                <a16:creationId xmlns="" xmlns:a16="http://schemas.microsoft.com/office/drawing/2014/main" id="{4BB8436B-5FE2-1447-9EC3-BEAF9A68C39B}"/>
               </a:ext>
             </a:extLst>
           </p:cNvPr>
@@ -3538,7 +3538,7 @@
           <p:cNvPr id="5" name="날짜 개체 틀 4">
             <a:extLst>
               <a:ext uri="{FF2B5EF4-FFF2-40B4-BE49-F238E27FC236}">
-                <a16:creationId xmlns:a16="http://schemas.microsoft.com/office/drawing/2014/main" xmlns="" id="{C9E51C8C-7C12-2245-A863-1244B7A9312C}"/>
+                <a16:creationId xmlns="" xmlns:a16="http://schemas.microsoft.com/office/drawing/2014/main" id="{C9E51C8C-7C12-2245-A863-1244B7A9312C}"/>
               </a:ext>
             </a:extLst>
           </p:cNvPr>
@@ -3565,7 +3565,7 @@
             <a:fld id="{FE20AB6E-091C-844F-ABF9-3EF4C2336578}" type="datetimeFigureOut">
               <a:rPr kumimoji="1" lang="x-none" altLang="en-US" smtClean="0"/>
               <a:pPr/>
-              <a:t>2022-07-15</a:t>
+              <a:t>2022-07-16</a:t>
             </a:fld>
             <a:endParaRPr kumimoji="1" lang="x-none" altLang="en-US"/>
           </a:p>
@@ -3576,7 +3576,7 @@
           <p:cNvPr id="6" name="바닥글 개체 틀 5">
             <a:extLst>
               <a:ext uri="{FF2B5EF4-FFF2-40B4-BE49-F238E27FC236}">
-                <a16:creationId xmlns:a16="http://schemas.microsoft.com/office/drawing/2014/main" xmlns="" id="{4782CB7C-D627-9647-8F56-B00CB9A302A4}"/>
+                <a16:creationId xmlns="" xmlns:a16="http://schemas.microsoft.com/office/drawing/2014/main" id="{4782CB7C-D627-9647-8F56-B00CB9A302A4}"/>
               </a:ext>
             </a:extLst>
           </p:cNvPr>
@@ -3609,7 +3609,7 @@
           <p:cNvPr id="7" name="슬라이드 번호 개체 틀 6">
             <a:extLst>
               <a:ext uri="{FF2B5EF4-FFF2-40B4-BE49-F238E27FC236}">
-                <a16:creationId xmlns:a16="http://schemas.microsoft.com/office/drawing/2014/main" xmlns="" id="{4CD74BA3-F423-A34B-8800-A6045769CBE1}"/>
+                <a16:creationId xmlns="" xmlns:a16="http://schemas.microsoft.com/office/drawing/2014/main" id="{4CD74BA3-F423-A34B-8800-A6045769CBE1}"/>
               </a:ext>
             </a:extLst>
           </p:cNvPr>
@@ -3645,7 +3645,7 @@
     </p:spTree>
     <p:extLst>
       <p:ext uri="{BB962C8B-B14F-4D97-AF65-F5344CB8AC3E}">
-        <p14:creationId xmlns:p14="http://schemas.microsoft.com/office/powerpoint/2010/main" xmlns="" val="1704396545"/>
+        <p14:creationId xmlns="" xmlns:p14="http://schemas.microsoft.com/office/powerpoint/2010/main" val="1704396545"/>
       </p:ext>
     </p:extLst>
   </p:cSld>
@@ -3677,7 +3677,7 @@
           <p:cNvPr id="2" name="제목 1">
             <a:extLst>
               <a:ext uri="{FF2B5EF4-FFF2-40B4-BE49-F238E27FC236}">
-                <a16:creationId xmlns:a16="http://schemas.microsoft.com/office/drawing/2014/main" xmlns="" id="{EFD7488A-CB03-5040-B573-DF2A3636CF99}"/>
+                <a16:creationId xmlns="" xmlns:a16="http://schemas.microsoft.com/office/drawing/2014/main" id="{EFD7488A-CB03-5040-B573-DF2A3636CF99}"/>
               </a:ext>
             </a:extLst>
           </p:cNvPr>
@@ -3718,7 +3718,7 @@
           <p:cNvPr id="3" name="그림 개체 틀 2">
             <a:extLst>
               <a:ext uri="{FF2B5EF4-FFF2-40B4-BE49-F238E27FC236}">
-                <a16:creationId xmlns:a16="http://schemas.microsoft.com/office/drawing/2014/main" xmlns="" id="{5E2B4E34-4F62-234A-BDDE-E603E5DE1FD3}"/>
+                <a16:creationId xmlns="" xmlns:a16="http://schemas.microsoft.com/office/drawing/2014/main" id="{5E2B4E34-4F62-234A-BDDE-E603E5DE1FD3}"/>
               </a:ext>
             </a:extLst>
           </p:cNvPr>
@@ -3788,7 +3788,7 @@
           <p:cNvPr id="4" name="텍스트 개체 틀 3">
             <a:extLst>
               <a:ext uri="{FF2B5EF4-FFF2-40B4-BE49-F238E27FC236}">
-                <a16:creationId xmlns:a16="http://schemas.microsoft.com/office/drawing/2014/main" xmlns="" id="{DFB842A2-9A9A-9849-98C1-4CF61CDA5F54}"/>
+                <a16:creationId xmlns="" xmlns:a16="http://schemas.microsoft.com/office/drawing/2014/main" id="{DFB842A2-9A9A-9849-98C1-4CF61CDA5F54}"/>
               </a:ext>
             </a:extLst>
           </p:cNvPr>
@@ -3862,7 +3862,7 @@
           <p:cNvPr id="5" name="날짜 개체 틀 4">
             <a:extLst>
               <a:ext uri="{FF2B5EF4-FFF2-40B4-BE49-F238E27FC236}">
-                <a16:creationId xmlns:a16="http://schemas.microsoft.com/office/drawing/2014/main" xmlns="" id="{A770922B-0B9C-2A42-A148-3EF917E30238}"/>
+                <a16:creationId xmlns="" xmlns:a16="http://schemas.microsoft.com/office/drawing/2014/main" id="{A770922B-0B9C-2A42-A148-3EF917E30238}"/>
               </a:ext>
             </a:extLst>
           </p:cNvPr>
@@ -3889,7 +3889,7 @@
             <a:fld id="{FE20AB6E-091C-844F-ABF9-3EF4C2336578}" type="datetimeFigureOut">
               <a:rPr kumimoji="1" lang="x-none" altLang="en-US" smtClean="0"/>
               <a:pPr/>
-              <a:t>2022-07-15</a:t>
+              <a:t>2022-07-16</a:t>
             </a:fld>
             <a:endParaRPr kumimoji="1" lang="x-none" altLang="en-US"/>
           </a:p>
@@ -3900,7 +3900,7 @@
           <p:cNvPr id="6" name="바닥글 개체 틀 5">
             <a:extLst>
               <a:ext uri="{FF2B5EF4-FFF2-40B4-BE49-F238E27FC236}">
-                <a16:creationId xmlns:a16="http://schemas.microsoft.com/office/drawing/2014/main" xmlns="" id="{B0085D61-3843-A14E-BC5B-F1CF1043A28D}"/>
+                <a16:creationId xmlns="" xmlns:a16="http://schemas.microsoft.com/office/drawing/2014/main" id="{B0085D61-3843-A14E-BC5B-F1CF1043A28D}"/>
               </a:ext>
             </a:extLst>
           </p:cNvPr>
@@ -3933,7 +3933,7 @@
           <p:cNvPr id="7" name="슬라이드 번호 개체 틀 6">
             <a:extLst>
               <a:ext uri="{FF2B5EF4-FFF2-40B4-BE49-F238E27FC236}">
-                <a16:creationId xmlns:a16="http://schemas.microsoft.com/office/drawing/2014/main" xmlns="" id="{26DEE10E-E2D4-A844-A91F-C47C62D2AA42}"/>
+                <a16:creationId xmlns="" xmlns:a16="http://schemas.microsoft.com/office/drawing/2014/main" id="{26DEE10E-E2D4-A844-A91F-C47C62D2AA42}"/>
               </a:ext>
             </a:extLst>
           </p:cNvPr>
@@ -3969,7 +3969,7 @@
     </p:spTree>
     <p:extLst>
       <p:ext uri="{BB962C8B-B14F-4D97-AF65-F5344CB8AC3E}">
-        <p14:creationId xmlns:p14="http://schemas.microsoft.com/office/powerpoint/2010/main" xmlns="" val="2148253455"/>
+        <p14:creationId xmlns="" xmlns:p14="http://schemas.microsoft.com/office/powerpoint/2010/main" val="2148253455"/>
       </p:ext>
     </p:extLst>
   </p:cSld>
@@ -4004,7 +4004,7 @@
     </p:spTree>
     <p:extLst>
       <p:ext uri="{BB962C8B-B14F-4D97-AF65-F5344CB8AC3E}">
-        <p14:creationId xmlns:p14="http://schemas.microsoft.com/office/powerpoint/2010/main" xmlns="" val="3022356027"/>
+        <p14:creationId xmlns="" xmlns:p14="http://schemas.microsoft.com/office/powerpoint/2010/main" val="3022356027"/>
       </p:ext>
     </p:extLst>
   </p:cSld>
@@ -4305,7 +4305,7 @@
   </p:txStyles>
   <p:extLst>
     <p:ext uri="{27BBF7A9-308A-43DC-89C8-2F10F3537804}">
-      <p15:sldGuideLst xmlns:p15="http://schemas.microsoft.com/office/powerpoint/2012/main" xmlns="">
+      <p15:sldGuideLst xmlns="" xmlns:p15="http://schemas.microsoft.com/office/powerpoint/2012/main">
         <p15:guide id="1" orient="horz" pos="2160" userDrawn="1">
           <p15:clr>
             <a:srgbClr val="F26B43"/>
@@ -4352,7 +4352,7 @@
           <p:cNvPr id="9" name="그룹 8">
             <a:extLst>
               <a:ext uri="{FF2B5EF4-FFF2-40B4-BE49-F238E27FC236}">
-                <a16:creationId xmlns:a16="http://schemas.microsoft.com/office/drawing/2014/main" xmlns="" id="{E16F955F-3C40-AFD3-DB99-1D7BBA9B9B6D}"/>
+                <a16:creationId xmlns="" xmlns:a16="http://schemas.microsoft.com/office/drawing/2014/main" id="{E16F955F-3C40-AFD3-DB99-1D7BBA9B9B6D}"/>
               </a:ext>
             </a:extLst>
           </p:cNvPr>
@@ -4372,7 +4372,7 @@
             <p:cNvPr id="5" name="TextBox 4">
               <a:extLst>
                 <a:ext uri="{FF2B5EF4-FFF2-40B4-BE49-F238E27FC236}">
-                  <a16:creationId xmlns:a16="http://schemas.microsoft.com/office/drawing/2014/main" xmlns="" id="{0219BB47-7F38-B841-90EA-A4A47147FDAB}"/>
+                  <a16:creationId xmlns="" xmlns:a16="http://schemas.microsoft.com/office/drawing/2014/main" id="{0219BB47-7F38-B841-90EA-A4A47147FDAB}"/>
                 </a:ext>
               </a:extLst>
             </p:cNvPr>
@@ -4421,7 +4421,7 @@
             <p:cNvPr id="8" name="그룹 7">
               <a:extLst>
                 <a:ext uri="{FF2B5EF4-FFF2-40B4-BE49-F238E27FC236}">
-                  <a16:creationId xmlns:a16="http://schemas.microsoft.com/office/drawing/2014/main" xmlns="" id="{5E0C0EAA-C17C-B910-319A-10CFE79CAA56}"/>
+                  <a16:creationId xmlns="" xmlns:a16="http://schemas.microsoft.com/office/drawing/2014/main" id="{5E0C0EAA-C17C-B910-319A-10CFE79CAA56}"/>
                 </a:ext>
               </a:extLst>
             </p:cNvPr>
@@ -4441,7 +4441,7 @@
               <p:cNvPr id="3" name="Picture 4" descr="한양대학교 - 나무위키">
                 <a:extLst>
                   <a:ext uri="{FF2B5EF4-FFF2-40B4-BE49-F238E27FC236}">
-                    <a16:creationId xmlns:a16="http://schemas.microsoft.com/office/drawing/2014/main" xmlns="" id="{CB018ED8-8E8F-772C-1103-AA96C93C22C2}"/>
+                    <a16:creationId xmlns="" xmlns:a16="http://schemas.microsoft.com/office/drawing/2014/main" id="{CB018ED8-8E8F-772C-1103-AA96C93C22C2}"/>
                   </a:ext>
                 </a:extLst>
               </p:cNvPr>
@@ -4454,7 +4454,7 @@
               <a:blip r:embed="rId2">
                 <a:extLst>
                   <a:ext uri="{28A0092B-C50C-407E-A947-70E740481C1C}">
-                    <a14:useLocalDpi xmlns:a14="http://schemas.microsoft.com/office/drawing/2010/main" xmlns="" val="0"/>
+                    <a14:useLocalDpi xmlns="" xmlns:a14="http://schemas.microsoft.com/office/drawing/2010/main" val="0"/>
                   </a:ext>
                 </a:extLst>
               </a:blip>
@@ -4474,7 +4474,7 @@
               <a:noFill/>
               <a:extLst>
                 <a:ext uri="{909E8E84-426E-40DD-AFC4-6F175D3DCCD1}">
-                  <a14:hiddenFill xmlns:a14="http://schemas.microsoft.com/office/drawing/2010/main" xmlns="">
+                  <a14:hiddenFill xmlns="" xmlns:a14="http://schemas.microsoft.com/office/drawing/2010/main">
                     <a:solidFill>
                       <a:srgbClr val="FFFFFF"/>
                     </a:solidFill>
@@ -4488,7 +4488,7 @@
               <p:cNvPr id="4" name="Picture 2">
                 <a:extLst>
                   <a:ext uri="{FF2B5EF4-FFF2-40B4-BE49-F238E27FC236}">
-                    <a16:creationId xmlns:a16="http://schemas.microsoft.com/office/drawing/2014/main" xmlns="" id="{A0D566A1-AF21-73C8-46C4-20913AA4D44E}"/>
+                    <a16:creationId xmlns="" xmlns:a16="http://schemas.microsoft.com/office/drawing/2014/main" id="{A0D566A1-AF21-73C8-46C4-20913AA4D44E}"/>
                   </a:ext>
                 </a:extLst>
               </p:cNvPr>
@@ -4501,7 +4501,7 @@
               <a:blip r:embed="rId3">
                 <a:extLst>
                   <a:ext uri="{28A0092B-C50C-407E-A947-70E740481C1C}">
-                    <a14:useLocalDpi xmlns:a14="http://schemas.microsoft.com/office/drawing/2010/main" xmlns="" val="0"/>
+                    <a14:useLocalDpi xmlns="" xmlns:a14="http://schemas.microsoft.com/office/drawing/2010/main" val="0"/>
                   </a:ext>
                 </a:extLst>
               </a:blip>
@@ -4521,7 +4521,7 @@
               <a:noFill/>
               <a:extLst>
                 <a:ext uri="{909E8E84-426E-40DD-AFC4-6F175D3DCCD1}">
-                  <a14:hiddenFill xmlns:a14="http://schemas.microsoft.com/office/drawing/2010/main" xmlns="">
+                  <a14:hiddenFill xmlns="" xmlns:a14="http://schemas.microsoft.com/office/drawing/2010/main">
                     <a:solidFill>
                       <a:srgbClr val="FFFFFF"/>
                     </a:solidFill>
@@ -4535,7 +4535,7 @@
               <p:cNvPr id="6" name="직선 연결선 5">
                 <a:extLst>
                   <a:ext uri="{FF2B5EF4-FFF2-40B4-BE49-F238E27FC236}">
-                    <a16:creationId xmlns:a16="http://schemas.microsoft.com/office/drawing/2014/main" xmlns="" id="{7D8A18A1-B4B2-C8D4-D8CF-4FEFDACCE6C6}"/>
+                    <a16:creationId xmlns="" xmlns:a16="http://schemas.microsoft.com/office/drawing/2014/main" id="{7D8A18A1-B4B2-C8D4-D8CF-4FEFDACCE6C6}"/>
                   </a:ext>
                 </a:extLst>
               </p:cNvPr>
@@ -4576,7 +4576,7 @@
               <p:cNvPr id="7" name="그림 6" descr="텍스트, 표지판, 어두운이(가) 표시된 사진&#10;&#10;자동 생성된 설명">
                 <a:extLst>
                   <a:ext uri="{FF2B5EF4-FFF2-40B4-BE49-F238E27FC236}">
-                    <a16:creationId xmlns:a16="http://schemas.microsoft.com/office/drawing/2014/main" xmlns="" id="{86C06051-5B01-6602-2822-6BC0E7FA657F}"/>
+                    <a16:creationId xmlns="" xmlns:a16="http://schemas.microsoft.com/office/drawing/2014/main" id="{86C06051-5B01-6602-2822-6BC0E7FA657F}"/>
                   </a:ext>
                 </a:extLst>
               </p:cNvPr>
@@ -4617,7 +4617,7 @@
           <p:cNvPr id="10" name="TextBox 9">
             <a:extLst>
               <a:ext uri="{FF2B5EF4-FFF2-40B4-BE49-F238E27FC236}">
-                <a16:creationId xmlns:a16="http://schemas.microsoft.com/office/drawing/2014/main" xmlns="" id="{347A1722-EE0E-2F9A-3CE3-1F731703D4E6}"/>
+                <a16:creationId xmlns="" xmlns:a16="http://schemas.microsoft.com/office/drawing/2014/main" id="{347A1722-EE0E-2F9A-3CE3-1F731703D4E6}"/>
               </a:ext>
             </a:extLst>
           </p:cNvPr>
@@ -4894,7 +4894,7 @@
     </p:spTree>
     <p:extLst>
       <p:ext uri="{BB962C8B-B14F-4D97-AF65-F5344CB8AC3E}">
-        <p14:creationId xmlns:p14="http://schemas.microsoft.com/office/powerpoint/2010/main" xmlns="" val="1827450347"/>
+        <p14:creationId xmlns="" xmlns:p14="http://schemas.microsoft.com/office/powerpoint/2010/main" val="1827450347"/>
       </p:ext>
     </p:extLst>
   </p:cSld>
@@ -4926,7 +4926,7 @@
           <p:cNvPr id="6" name="TextBox 5">
             <a:extLst>
               <a:ext uri="{FF2B5EF4-FFF2-40B4-BE49-F238E27FC236}">
-                <a16:creationId xmlns:a16="http://schemas.microsoft.com/office/drawing/2014/main" xmlns="" id="{46063DD2-9B38-F147-A0DC-464FBEA0D179}"/>
+                <a16:creationId xmlns="" xmlns:a16="http://schemas.microsoft.com/office/drawing/2014/main" id="{46063DD2-9B38-F147-A0DC-464FBEA0D179}"/>
               </a:ext>
             </a:extLst>
           </p:cNvPr>
@@ -5055,7 +5055,7 @@
           <p:cNvPr id="20" name="TextBox 19">
             <a:extLst>
               <a:ext uri="{FF2B5EF4-FFF2-40B4-BE49-F238E27FC236}">
-                <a16:creationId xmlns:a16="http://schemas.microsoft.com/office/drawing/2014/main" xmlns="" id="{BB1F688A-EECA-AD4B-9974-52A755017E57}"/>
+                <a16:creationId xmlns="" xmlns:a16="http://schemas.microsoft.com/office/drawing/2014/main" id="{BB1F688A-EECA-AD4B-9974-52A755017E57}"/>
               </a:ext>
             </a:extLst>
           </p:cNvPr>
@@ -5118,7 +5118,7 @@
           <p:cNvPr id="8" name="TextBox 7">
             <a:extLst>
               <a:ext uri="{FF2B5EF4-FFF2-40B4-BE49-F238E27FC236}">
-                <a16:creationId xmlns:a16="http://schemas.microsoft.com/office/drawing/2014/main" xmlns="" id="{46063DD2-9B38-F147-A0DC-464FBEA0D179}"/>
+                <a16:creationId xmlns="" xmlns:a16="http://schemas.microsoft.com/office/drawing/2014/main" id="{46063DD2-9B38-F147-A0DC-464FBEA0D179}"/>
               </a:ext>
             </a:extLst>
           </p:cNvPr>
@@ -5207,7 +5207,7 @@
           <p:cNvPr id="9" name="TextBox 8">
             <a:extLst>
               <a:ext uri="{FF2B5EF4-FFF2-40B4-BE49-F238E27FC236}">
-                <a16:creationId xmlns:a16="http://schemas.microsoft.com/office/drawing/2014/main" xmlns="" id="{46063DD2-9B38-F147-A0DC-464FBEA0D179}"/>
+                <a16:creationId xmlns="" xmlns:a16="http://schemas.microsoft.com/office/drawing/2014/main" id="{46063DD2-9B38-F147-A0DC-464FBEA0D179}"/>
               </a:ext>
             </a:extLst>
           </p:cNvPr>
@@ -5279,17 +5279,7 @@
                 <a:latin typeface="Noto Sans CJK KR Regular" panose="020B0500000000000000" pitchFamily="34" charset="-128"/>
                 <a:ea typeface="Noto Sans CJK KR Regular" panose="020B0500000000000000" pitchFamily="34" charset="-128"/>
               </a:rPr>
-              <a:t>- </a:t>
-            </a:r>
-            <a:r>
-              <a:rPr kumimoji="1" lang="en-US" altLang="ko-KR" sz="1600" b="1" dirty="0" smtClean="0">
-                <a:solidFill>
-                  <a:srgbClr val="009D4F"/>
-                </a:solidFill>
-                <a:latin typeface="Noto Sans CJK KR Regular" panose="020B0500000000000000" pitchFamily="34" charset="-128"/>
-                <a:ea typeface="Noto Sans CJK KR Regular" panose="020B0500000000000000" pitchFamily="34" charset="-128"/>
-              </a:rPr>
-              <a:t>Unity Robot </a:t>
+              <a:t>- Unity Robot </a:t>
             </a:r>
             <a:r>
               <a:rPr kumimoji="1" lang="ko-KR" altLang="en-US" sz="1600" b="1" dirty="0" smtClean="0">
@@ -5472,52 +5462,35 @@
                 <a:latin typeface="Noto Sans CJK KR Regular" panose="020B0500000000000000" pitchFamily="34" charset="-128"/>
                 <a:ea typeface="Noto Sans CJK KR Regular" panose="020B0500000000000000" pitchFamily="34" charset="-128"/>
               </a:rPr>
-              <a:t> </a:t>
-            </a:r>
-            <a:r>
-              <a:rPr kumimoji="1" lang="en-US" altLang="ko-KR" sz="1600" b="1" dirty="0" smtClean="0">
+              <a:t>   (BIM </a:t>
+            </a:r>
+            <a:r>
+              <a:rPr kumimoji="1" lang="ko-KR" altLang="en-US" sz="1600" b="1" dirty="0" smtClean="0">
                 <a:solidFill>
                   <a:srgbClr val="009D4F"/>
                 </a:solidFill>
                 <a:latin typeface="Noto Sans CJK KR Regular" panose="020B0500000000000000" pitchFamily="34" charset="-128"/>
                 <a:ea typeface="Noto Sans CJK KR Regular" panose="020B0500000000000000" pitchFamily="34" charset="-128"/>
               </a:rPr>
-              <a:t>  (BIM </a:t>
-            </a:r>
-            <a:r>
-              <a:rPr kumimoji="1" lang="ko-KR" altLang="en-US" sz="1600" b="1" dirty="0" smtClean="0">
+              <a:t>및 건설분야 관련 메타버스 기술</a:t>
+            </a:r>
+            <a:r>
+              <a:rPr kumimoji="1" lang="en-US" altLang="ko-KR" sz="1600" b="1" dirty="0" smtClean="0">
                 <a:solidFill>
                   <a:srgbClr val="009D4F"/>
                 </a:solidFill>
                 <a:latin typeface="Noto Sans CJK KR Regular" panose="020B0500000000000000" pitchFamily="34" charset="-128"/>
                 <a:ea typeface="Noto Sans CJK KR Regular" panose="020B0500000000000000" pitchFamily="34" charset="-128"/>
               </a:rPr>
-              <a:t>및 건설분야 관련 메타버스 기술</a:t>
-            </a:r>
-            <a:r>
-              <a:rPr kumimoji="1" lang="en-US" altLang="ko-KR" sz="1600" b="1" dirty="0" smtClean="0">
-                <a:solidFill>
-                  <a:srgbClr val="009D4F"/>
-                </a:solidFill>
-                <a:latin typeface="Noto Sans CJK KR Regular" panose="020B0500000000000000" pitchFamily="34" charset="-128"/>
-                <a:ea typeface="Noto Sans CJK KR Regular" panose="020B0500000000000000" pitchFamily="34" charset="-128"/>
-              </a:rPr>
               <a:t>)   </a:t>
             </a:r>
-            <a:endParaRPr kumimoji="1" lang="en-US" altLang="ko-KR" sz="1600" b="1" dirty="0" smtClean="0">
-              <a:solidFill>
-                <a:srgbClr val="009D4F"/>
-              </a:solidFill>
-              <a:latin typeface="Noto Sans CJK KR Regular" panose="020B0500000000000000" pitchFamily="34" charset="-128"/>
-              <a:ea typeface="Noto Sans CJK KR Regular" panose="020B0500000000000000" pitchFamily="34" charset="-128"/>
-            </a:endParaRPr>
           </a:p>
         </p:txBody>
       </p:sp>
     </p:spTree>
     <p:extLst>
       <p:ext uri="{BB962C8B-B14F-4D97-AF65-F5344CB8AC3E}">
-        <p14:creationId xmlns:p14="http://schemas.microsoft.com/office/powerpoint/2010/main" xmlns="" val="2142710581"/>
+        <p14:creationId xmlns="" xmlns:p14="http://schemas.microsoft.com/office/powerpoint/2010/main" val="2142710581"/>
       </p:ext>
     </p:extLst>
   </p:cSld>
@@ -5609,7 +5582,7 @@
           <p:cNvPr id="5" name="그림 4" descr="텍스트, 표지판, 어두운이(가) 표시된 사진&#10;&#10;자동 생성된 설명">
             <a:extLst>
               <a:ext uri="{FF2B5EF4-FFF2-40B4-BE49-F238E27FC236}">
-                <a16:creationId xmlns:a16="http://schemas.microsoft.com/office/drawing/2014/main" xmlns="" id="{99DB973B-8F31-454D-965E-8D3C8A77EF2C}"/>
+                <a16:creationId xmlns="" xmlns:a16="http://schemas.microsoft.com/office/drawing/2014/main" id="{99DB973B-8F31-454D-965E-8D3C8A77EF2C}"/>
               </a:ext>
             </a:extLst>
           </p:cNvPr>
@@ -5639,7 +5612,7 @@
           <p:cNvPr id="6" name="Picture 2">
             <a:extLst>
               <a:ext uri="{FF2B5EF4-FFF2-40B4-BE49-F238E27FC236}">
-                <a16:creationId xmlns:a16="http://schemas.microsoft.com/office/drawing/2014/main" xmlns="" id="{E331DF8F-51A3-D3C4-B811-DFBF2677D596}"/>
+                <a16:creationId xmlns="" xmlns:a16="http://schemas.microsoft.com/office/drawing/2014/main" id="{E331DF8F-51A3-D3C4-B811-DFBF2677D596}"/>
               </a:ext>
             </a:extLst>
           </p:cNvPr>
@@ -5652,7 +5625,7 @@
           <a:blip r:embed="rId3">
             <a:extLst>
               <a:ext uri="{BEBA8EAE-BF5A-486C-A8C5-ECC9F3942E4B}">
-                <a14:imgProps xmlns:a14="http://schemas.microsoft.com/office/drawing/2010/main" xmlns="">
+                <a14:imgProps xmlns="" xmlns:a14="http://schemas.microsoft.com/office/drawing/2010/main">
                   <a14:imgLayer r:embed="rId4">
                     <a14:imgEffect>
                       <a14:saturation sat="96000"/>
@@ -5664,7 +5637,7 @@
                 </a14:imgProps>
               </a:ext>
               <a:ext uri="{28A0092B-C50C-407E-A947-70E740481C1C}">
-                <a14:useLocalDpi xmlns:a14="http://schemas.microsoft.com/office/drawing/2010/main" xmlns="" val="0"/>
+                <a14:useLocalDpi xmlns="" xmlns:a14="http://schemas.microsoft.com/office/drawing/2010/main" val="0"/>
               </a:ext>
             </a:extLst>
           </a:blip>
@@ -5684,7 +5657,7 @@
           <a:noFill/>
           <a:extLst>
             <a:ext uri="{909E8E84-426E-40DD-AFC4-6F175D3DCCD1}">
-              <a14:hiddenFill xmlns:a14="http://schemas.microsoft.com/office/drawing/2010/main" xmlns="">
+              <a14:hiddenFill xmlns="" xmlns:a14="http://schemas.microsoft.com/office/drawing/2010/main">
                 <a:solidFill>
                   <a:srgbClr val="FFFFFF"/>
                 </a:solidFill>
@@ -5723,7 +5696,7 @@
           <p:cNvPr id="4" name="TextBox 3">
             <a:extLst>
               <a:ext uri="{FF2B5EF4-FFF2-40B4-BE49-F238E27FC236}">
-                <a16:creationId xmlns:a16="http://schemas.microsoft.com/office/drawing/2014/main" xmlns="" id="{553A531E-0264-474E-80E1-4D6EC51A9F73}"/>
+                <a16:creationId xmlns="" xmlns:a16="http://schemas.microsoft.com/office/drawing/2014/main" id="{553A531E-0264-474E-80E1-4D6EC51A9F73}"/>
               </a:ext>
             </a:extLst>
           </p:cNvPr>
@@ -5771,7 +5744,7 @@
           <p:cNvPr id="16" name="TextBox 15">
             <a:extLst>
               <a:ext uri="{FF2B5EF4-FFF2-40B4-BE49-F238E27FC236}">
-                <a16:creationId xmlns:a16="http://schemas.microsoft.com/office/drawing/2014/main" xmlns="" id="{66F1A837-3EF0-CC4C-9E70-66BA9C46692F}"/>
+                <a16:creationId xmlns="" xmlns:a16="http://schemas.microsoft.com/office/drawing/2014/main" id="{66F1A837-3EF0-CC4C-9E70-66BA9C46692F}"/>
               </a:ext>
             </a:extLst>
           </p:cNvPr>
@@ -5825,20 +5798,7 @@
                 <a:latin typeface="210 옴니고딕 030" panose="02020603020101020101" pitchFamily="18" charset="-127"/>
                 <a:ea typeface="210 옴니고딕 030" panose="02020603020101020101" pitchFamily="18" charset="-127"/>
               </a:rPr>
-              <a:t> </a:t>
-            </a:r>
-            <a:r>
-              <a:rPr kumimoji="1" lang="ko-KR" altLang="en-US" sz="2400" dirty="0" smtClean="0">
-                <a:solidFill>
-                  <a:schemeClr val="tx1">
-                    <a:lumMod val="85000"/>
-                    <a:lumOff val="15000"/>
-                  </a:schemeClr>
-                </a:solidFill>
-                <a:latin typeface="210 옴니고딕 030" panose="02020603020101020101" pitchFamily="18" charset="-127"/>
-                <a:ea typeface="210 옴니고딕 030" panose="02020603020101020101" pitchFamily="18" charset="-127"/>
-              </a:rPr>
-              <a:t>프로젝트</a:t>
+              <a:t> 프로젝트</a:t>
             </a:r>
             <a:endParaRPr kumimoji="1" lang="en-US" altLang="ko-KR" sz="2400" dirty="0" smtClean="0">
               <a:solidFill>
@@ -5872,6 +5832,39 @@
               </a:rPr>
               <a:t>Unity Robot</a:t>
             </a:r>
+          </a:p>
+          <a:p>
+            <a:pPr marL="514350" indent="-514350">
+              <a:lnSpc>
+                <a:spcPct val="130000"/>
+              </a:lnSpc>
+            </a:pPr>
+            <a:r>
+              <a:rPr kumimoji="1" lang="en-US" altLang="ko-KR" sz="2400" dirty="0" smtClean="0">
+                <a:solidFill>
+                  <a:schemeClr val="tx1">
+                    <a:lumMod val="85000"/>
+                    <a:lumOff val="15000"/>
+                  </a:schemeClr>
+                </a:solidFill>
+                <a:latin typeface="210 옴니고딕 030" panose="02020603020101020101" pitchFamily="18" charset="-127"/>
+                <a:ea typeface="210 옴니고딕 030" panose="02020603020101020101" pitchFamily="18" charset="-127"/>
+              </a:rPr>
+              <a:t>3.  </a:t>
+            </a:r>
+            <a:r>
+              <a:rPr kumimoji="1" lang="ko-KR" altLang="en-US" sz="2400" dirty="0" err="1" smtClean="0">
+                <a:solidFill>
+                  <a:schemeClr val="tx1">
+                    <a:lumMod val="85000"/>
+                    <a:lumOff val="15000"/>
+                  </a:schemeClr>
+                </a:solidFill>
+                <a:latin typeface="210 옴니고딕 030" panose="02020603020101020101" pitchFamily="18" charset="-127"/>
+                <a:ea typeface="210 옴니고딕 030" panose="02020603020101020101" pitchFamily="18" charset="-127"/>
+              </a:rPr>
+              <a:t>향후계획</a:t>
+            </a:r>
             <a:endParaRPr kumimoji="1" lang="en-US" altLang="ko-KR" sz="2400" dirty="0" smtClean="0">
               <a:solidFill>
                 <a:schemeClr val="tx1">
@@ -5883,55 +5876,12 @@
               <a:ea typeface="210 옴니고딕 030" panose="02020603020101020101" pitchFamily="18" charset="-127"/>
             </a:endParaRPr>
           </a:p>
-          <a:p>
-            <a:pPr marL="514350" indent="-514350">
-              <a:lnSpc>
-                <a:spcPct val="130000"/>
-              </a:lnSpc>
-            </a:pPr>
-            <a:r>
-              <a:rPr kumimoji="1" lang="en-US" altLang="ko-KR" sz="2400" dirty="0" smtClean="0">
-                <a:solidFill>
-                  <a:schemeClr val="tx1">
-                    <a:lumMod val="85000"/>
-                    <a:lumOff val="15000"/>
-                  </a:schemeClr>
-                </a:solidFill>
-                <a:latin typeface="210 옴니고딕 030" panose="02020603020101020101" pitchFamily="18" charset="-127"/>
-                <a:ea typeface="210 옴니고딕 030" panose="02020603020101020101" pitchFamily="18" charset="-127"/>
-              </a:rPr>
-              <a:t>3.  </a:t>
-            </a:r>
-            <a:r>
-              <a:rPr kumimoji="1" lang="ko-KR" altLang="en-US" sz="2400" dirty="0" err="1" smtClean="0">
-                <a:solidFill>
-                  <a:schemeClr val="tx1">
-                    <a:lumMod val="85000"/>
-                    <a:lumOff val="15000"/>
-                  </a:schemeClr>
-                </a:solidFill>
-                <a:latin typeface="210 옴니고딕 030" panose="02020603020101020101" pitchFamily="18" charset="-127"/>
-                <a:ea typeface="210 옴니고딕 030" panose="02020603020101020101" pitchFamily="18" charset="-127"/>
-              </a:rPr>
-              <a:t>향후계획</a:t>
-            </a:r>
-            <a:endParaRPr kumimoji="1" lang="en-US" altLang="ko-KR" sz="2400" dirty="0" smtClean="0">
-              <a:solidFill>
-                <a:schemeClr val="tx1">
-                  <a:lumMod val="85000"/>
-                  <a:lumOff val="15000"/>
-                </a:schemeClr>
-              </a:solidFill>
-              <a:latin typeface="210 옴니고딕 030" panose="02020603020101020101" pitchFamily="18" charset="-127"/>
-              <a:ea typeface="210 옴니고딕 030" panose="02020603020101020101" pitchFamily="18" charset="-127"/>
-            </a:endParaRPr>
-          </a:p>
         </p:txBody>
       </p:sp>
     </p:spTree>
     <p:extLst>
       <p:ext uri="{BB962C8B-B14F-4D97-AF65-F5344CB8AC3E}">
-        <p14:creationId xmlns:p14="http://schemas.microsoft.com/office/powerpoint/2010/main" xmlns="" val="4104666055"/>
+        <p14:creationId xmlns="" xmlns:p14="http://schemas.microsoft.com/office/powerpoint/2010/main" val="4104666055"/>
       </p:ext>
     </p:extLst>
   </p:cSld>
@@ -5963,7 +5913,7 @@
           <p:cNvPr id="20" name="TextBox 19">
             <a:extLst>
               <a:ext uri="{FF2B5EF4-FFF2-40B4-BE49-F238E27FC236}">
-                <a16:creationId xmlns:a16="http://schemas.microsoft.com/office/drawing/2014/main" xmlns="" id="{BB1F688A-EECA-AD4B-9974-52A755017E57}"/>
+                <a16:creationId xmlns="" xmlns:a16="http://schemas.microsoft.com/office/drawing/2014/main" id="{BB1F688A-EECA-AD4B-9974-52A755017E57}"/>
               </a:ext>
             </a:extLst>
           </p:cNvPr>
@@ -6046,7 +5996,7 @@
           <p:cNvPr id="18" name="TextBox 17">
             <a:extLst>
               <a:ext uri="{FF2B5EF4-FFF2-40B4-BE49-F238E27FC236}">
-                <a16:creationId xmlns="" xmlns:a16="http://schemas.microsoft.com/office/drawing/2014/main" id="{46063DD2-9B38-F147-A0DC-464FBEA0D179}"/>
+                <a16:creationId xmlns:a16="http://schemas.microsoft.com/office/drawing/2014/main" xmlns="" id="{46063DD2-9B38-F147-A0DC-464FBEA0D179}"/>
               </a:ext>
             </a:extLst>
           </p:cNvPr>
@@ -6165,7 +6115,7 @@
     </p:spTree>
     <p:extLst>
       <p:ext uri="{BB962C8B-B14F-4D97-AF65-F5344CB8AC3E}">
-        <p14:creationId xmlns:p14="http://schemas.microsoft.com/office/powerpoint/2010/main" xmlns="" val="1062904964"/>
+        <p14:creationId xmlns="" xmlns:p14="http://schemas.microsoft.com/office/powerpoint/2010/main" val="1062904964"/>
       </p:ext>
     </p:extLst>
   </p:cSld>
@@ -6197,7 +6147,7 @@
           <p:cNvPr id="20" name="TextBox 19">
             <a:extLst>
               <a:ext uri="{FF2B5EF4-FFF2-40B4-BE49-F238E27FC236}">
-                <a16:creationId xmlns:a16="http://schemas.microsoft.com/office/drawing/2014/main" xmlns="" id="{BB1F688A-EECA-AD4B-9974-52A755017E57}"/>
+                <a16:creationId xmlns="" xmlns:a16="http://schemas.microsoft.com/office/drawing/2014/main" id="{BB1F688A-EECA-AD4B-9974-52A755017E57}"/>
               </a:ext>
             </a:extLst>
           </p:cNvPr>
@@ -6280,7 +6230,7 @@
           <p:cNvPr id="18" name="TextBox 17">
             <a:extLst>
               <a:ext uri="{FF2B5EF4-FFF2-40B4-BE49-F238E27FC236}">
-                <a16:creationId xmlns="" xmlns:a16="http://schemas.microsoft.com/office/drawing/2014/main" id="{46063DD2-9B38-F147-A0DC-464FBEA0D179}"/>
+                <a16:creationId xmlns:a16="http://schemas.microsoft.com/office/drawing/2014/main" xmlns="" id="{46063DD2-9B38-F147-A0DC-464FBEA0D179}"/>
               </a:ext>
             </a:extLst>
           </p:cNvPr>
@@ -6403,7 +6353,7 @@
     </p:spTree>
     <p:extLst>
       <p:ext uri="{BB962C8B-B14F-4D97-AF65-F5344CB8AC3E}">
-        <p14:creationId xmlns:p14="http://schemas.microsoft.com/office/powerpoint/2010/main" xmlns="" val="1062904964"/>
+        <p14:creationId xmlns="" xmlns:p14="http://schemas.microsoft.com/office/powerpoint/2010/main" val="1062904964"/>
       </p:ext>
     </p:extLst>
   </p:cSld>
@@ -6435,7 +6385,7 @@
           <p:cNvPr id="20" name="TextBox 19">
             <a:extLst>
               <a:ext uri="{FF2B5EF4-FFF2-40B4-BE49-F238E27FC236}">
-                <a16:creationId xmlns:a16="http://schemas.microsoft.com/office/drawing/2014/main" xmlns="" id="{BB1F688A-EECA-AD4B-9974-52A755017E57}"/>
+                <a16:creationId xmlns="" xmlns:a16="http://schemas.microsoft.com/office/drawing/2014/main" id="{BB1F688A-EECA-AD4B-9974-52A755017E57}"/>
               </a:ext>
             </a:extLst>
           </p:cNvPr>
@@ -6568,7 +6518,7 @@
     </p:spTree>
     <p:extLst>
       <p:ext uri="{BB962C8B-B14F-4D97-AF65-F5344CB8AC3E}">
-        <p14:creationId xmlns:p14="http://schemas.microsoft.com/office/powerpoint/2010/main" xmlns="" val="1062904964"/>
+        <p14:creationId xmlns="" xmlns:p14="http://schemas.microsoft.com/office/powerpoint/2010/main" val="1062904964"/>
       </p:ext>
     </p:extLst>
   </p:cSld>
@@ -6600,7 +6550,7 @@
           <p:cNvPr id="20" name="TextBox 19">
             <a:extLst>
               <a:ext uri="{FF2B5EF4-FFF2-40B4-BE49-F238E27FC236}">
-                <a16:creationId xmlns:a16="http://schemas.microsoft.com/office/drawing/2014/main" xmlns="" id="{BB1F688A-EECA-AD4B-9974-52A755017E57}"/>
+                <a16:creationId xmlns="" xmlns:a16="http://schemas.microsoft.com/office/drawing/2014/main" id="{BB1F688A-EECA-AD4B-9974-52A755017E57}"/>
               </a:ext>
             </a:extLst>
           </p:cNvPr>
@@ -6767,7 +6717,7 @@
     </p:spTree>
     <p:extLst>
       <p:ext uri="{BB962C8B-B14F-4D97-AF65-F5344CB8AC3E}">
-        <p14:creationId xmlns:p14="http://schemas.microsoft.com/office/powerpoint/2010/main" xmlns="" val="1062904964"/>
+        <p14:creationId xmlns="" xmlns:p14="http://schemas.microsoft.com/office/powerpoint/2010/main" val="1062904964"/>
       </p:ext>
     </p:extLst>
   </p:cSld>
@@ -6799,7 +6749,7 @@
           <p:cNvPr id="20" name="TextBox 19">
             <a:extLst>
               <a:ext uri="{FF2B5EF4-FFF2-40B4-BE49-F238E27FC236}">
-                <a16:creationId xmlns:a16="http://schemas.microsoft.com/office/drawing/2014/main" xmlns="" id="{BB1F688A-EECA-AD4B-9974-52A755017E57}"/>
+                <a16:creationId xmlns="" xmlns:a16="http://schemas.microsoft.com/office/drawing/2014/main" id="{BB1F688A-EECA-AD4B-9974-52A755017E57}"/>
               </a:ext>
             </a:extLst>
           </p:cNvPr>
@@ -7184,7 +7134,7 @@
           <p:cNvPr id="28" name="TextBox 27">
             <a:extLst>
               <a:ext uri="{FF2B5EF4-FFF2-40B4-BE49-F238E27FC236}">
-                <a16:creationId xmlns="" xmlns:a16="http://schemas.microsoft.com/office/drawing/2014/main" id="{46063DD2-9B38-F147-A0DC-464FBEA0D179}"/>
+                <a16:creationId xmlns:a16="http://schemas.microsoft.com/office/drawing/2014/main" xmlns="" id="{46063DD2-9B38-F147-A0DC-464FBEA0D179}"/>
               </a:ext>
             </a:extLst>
           </p:cNvPr>
@@ -7290,7 +7240,7 @@
           <p:cNvPr id="33" name="TextBox 32">
             <a:extLst>
               <a:ext uri="{FF2B5EF4-FFF2-40B4-BE49-F238E27FC236}">
-                <a16:creationId xmlns="" xmlns:a16="http://schemas.microsoft.com/office/drawing/2014/main" id="{46063DD2-9B38-F147-A0DC-464FBEA0D179}"/>
+                <a16:creationId xmlns:a16="http://schemas.microsoft.com/office/drawing/2014/main" xmlns="" id="{46063DD2-9B38-F147-A0DC-464FBEA0D179}"/>
               </a:ext>
             </a:extLst>
           </p:cNvPr>
@@ -7473,7 +7423,7 @@
           <p:cNvPr id="36" name="TextBox 35">
             <a:extLst>
               <a:ext uri="{FF2B5EF4-FFF2-40B4-BE49-F238E27FC236}">
-                <a16:creationId xmlns="" xmlns:a16="http://schemas.microsoft.com/office/drawing/2014/main" id="{46063DD2-9B38-F147-A0DC-464FBEA0D179}"/>
+                <a16:creationId xmlns:a16="http://schemas.microsoft.com/office/drawing/2014/main" xmlns="" id="{46063DD2-9B38-F147-A0DC-464FBEA0D179}"/>
               </a:ext>
             </a:extLst>
           </p:cNvPr>
@@ -7724,7 +7674,7 @@
           <p:cNvPr id="41" name="TextBox 40">
             <a:extLst>
               <a:ext uri="{FF2B5EF4-FFF2-40B4-BE49-F238E27FC236}">
-                <a16:creationId xmlns="" xmlns:a16="http://schemas.microsoft.com/office/drawing/2014/main" id="{46063DD2-9B38-F147-A0DC-464FBEA0D179}"/>
+                <a16:creationId xmlns:a16="http://schemas.microsoft.com/office/drawing/2014/main" xmlns="" id="{46063DD2-9B38-F147-A0DC-464FBEA0D179}"/>
               </a:ext>
             </a:extLst>
           </p:cNvPr>
@@ -7777,7 +7727,7 @@
           <p:cNvPr id="42" name="TextBox 41">
             <a:extLst>
               <a:ext uri="{FF2B5EF4-FFF2-40B4-BE49-F238E27FC236}">
-                <a16:creationId xmlns="" xmlns:a16="http://schemas.microsoft.com/office/drawing/2014/main" id="{46063DD2-9B38-F147-A0DC-464FBEA0D179}"/>
+                <a16:creationId xmlns:a16="http://schemas.microsoft.com/office/drawing/2014/main" xmlns="" id="{46063DD2-9B38-F147-A0DC-464FBEA0D179}"/>
               </a:ext>
             </a:extLst>
           </p:cNvPr>
@@ -7830,7 +7780,7 @@
           <p:cNvPr id="43" name="TextBox 42">
             <a:extLst>
               <a:ext uri="{FF2B5EF4-FFF2-40B4-BE49-F238E27FC236}">
-                <a16:creationId xmlns="" xmlns:a16="http://schemas.microsoft.com/office/drawing/2014/main" id="{46063DD2-9B38-F147-A0DC-464FBEA0D179}"/>
+                <a16:creationId xmlns:a16="http://schemas.microsoft.com/office/drawing/2014/main" xmlns="" id="{46063DD2-9B38-F147-A0DC-464FBEA0D179}"/>
               </a:ext>
             </a:extLst>
           </p:cNvPr>
@@ -7883,7 +7833,7 @@
           <p:cNvPr id="44" name="TextBox 43">
             <a:extLst>
               <a:ext uri="{FF2B5EF4-FFF2-40B4-BE49-F238E27FC236}">
-                <a16:creationId xmlns="" xmlns:a16="http://schemas.microsoft.com/office/drawing/2014/main" id="{46063DD2-9B38-F147-A0DC-464FBEA0D179}"/>
+                <a16:creationId xmlns:a16="http://schemas.microsoft.com/office/drawing/2014/main" xmlns="" id="{46063DD2-9B38-F147-A0DC-464FBEA0D179}"/>
               </a:ext>
             </a:extLst>
           </p:cNvPr>
@@ -8000,7 +7950,7 @@
           <p:cNvPr id="46" name="TextBox 45">
             <a:extLst>
               <a:ext uri="{FF2B5EF4-FFF2-40B4-BE49-F238E27FC236}">
-                <a16:creationId xmlns="" xmlns:a16="http://schemas.microsoft.com/office/drawing/2014/main" id="{46063DD2-9B38-F147-A0DC-464FBEA0D179}"/>
+                <a16:creationId xmlns:a16="http://schemas.microsoft.com/office/drawing/2014/main" xmlns="" id="{46063DD2-9B38-F147-A0DC-464FBEA0D179}"/>
               </a:ext>
             </a:extLst>
           </p:cNvPr>
@@ -8107,7 +8057,7 @@
     </p:spTree>
     <p:extLst>
       <p:ext uri="{BB962C8B-B14F-4D97-AF65-F5344CB8AC3E}">
-        <p14:creationId xmlns:p14="http://schemas.microsoft.com/office/powerpoint/2010/main" xmlns="" val="1062904964"/>
+        <p14:creationId xmlns="" xmlns:p14="http://schemas.microsoft.com/office/powerpoint/2010/main" val="1062904964"/>
       </p:ext>
     </p:extLst>
   </p:cSld>
@@ -8139,7 +8089,7 @@
           <p:cNvPr id="20" name="TextBox 19">
             <a:extLst>
               <a:ext uri="{FF2B5EF4-FFF2-40B4-BE49-F238E27FC236}">
-                <a16:creationId xmlns:a16="http://schemas.microsoft.com/office/drawing/2014/main" xmlns="" id="{BB1F688A-EECA-AD4B-9974-52A755017E57}"/>
+                <a16:creationId xmlns="" xmlns:a16="http://schemas.microsoft.com/office/drawing/2014/main" id="{BB1F688A-EECA-AD4B-9974-52A755017E57}"/>
               </a:ext>
             </a:extLst>
           </p:cNvPr>
@@ -8210,11 +8160,7 @@
           <a:p>
             <a:r>
               <a:rPr lang="en-US" altLang="ko-KR" dirty="0" smtClean="0"/>
-              <a:t>1.</a:t>
-            </a:r>
-            <a:r>
-              <a:rPr lang="en-US" altLang="ko-KR" dirty="0" smtClean="0"/>
-              <a:t>    Unity</a:t>
+              <a:t>1.    Unity</a:t>
             </a:r>
             <a:r>
               <a:rPr lang="ko-KR" altLang="en-US" dirty="0" smtClean="0"/>
@@ -8226,11 +8172,7 @@
             </a:r>
             <a:r>
               <a:rPr lang="ko-KR" altLang="en-US" dirty="0" smtClean="0"/>
-              <a:t>로봇 모션 동기화를 위한 가능성 및 예상 투입 공수 </a:t>
-            </a:r>
-            <a:r>
-              <a:rPr lang="ko-KR" altLang="en-US" dirty="0" smtClean="0"/>
-              <a:t>산정</a:t>
+              <a:t>로봇 모션 동기화를 위한 가능성 및 예상 투입 공수 산정</a:t>
             </a:r>
             <a:endParaRPr lang="en-US" altLang="ko-KR" dirty="0" smtClean="0"/>
           </a:p>
@@ -8279,7 +8221,7 @@
         <p:spPr>
           <a:xfrm>
             <a:off x="609599" y="2843926"/>
-            <a:ext cx="11001376" cy="2862322"/>
+            <a:ext cx="11001376" cy="3970318"/>
           </a:xfrm>
           <a:prstGeom prst="rect">
             <a:avLst/>
@@ -8293,11 +8235,7 @@
           <a:p>
             <a:r>
               <a:rPr lang="ko-KR" altLang="en-US" dirty="0" smtClean="0"/>
-              <a:t>구현 </a:t>
-            </a:r>
-            <a:r>
-              <a:rPr lang="ko-KR" altLang="en-US" dirty="0" smtClean="0"/>
-              <a:t>안</a:t>
+              <a:t>구현 안</a:t>
             </a:r>
             <a:endParaRPr lang="en-US" altLang="ko-KR" dirty="0" smtClean="0"/>
           </a:p>
@@ -8326,11 +8264,7 @@
           <a:p>
             <a:r>
               <a:rPr lang="en-US" altLang="ko-KR" dirty="0" smtClean="0"/>
-              <a:t>    a</a:t>
-            </a:r>
-            <a:r>
-              <a:rPr lang="en-US" altLang="ko-KR" dirty="0" smtClean="0"/>
-              <a:t>. </a:t>
+              <a:t>    a. </a:t>
             </a:r>
             <a:r>
               <a:rPr lang="ko-KR" altLang="en-US" dirty="0" smtClean="0"/>
@@ -8356,31 +8290,11 @@
           <a:p>
             <a:r>
               <a:rPr lang="en-US" altLang="ko-KR" dirty="0" smtClean="0"/>
-              <a:t>    b</a:t>
-            </a:r>
-            <a:r>
-              <a:rPr lang="en-US" altLang="ko-KR" dirty="0" smtClean="0"/>
-              <a:t>. ROS</a:t>
+              <a:t>    b. ROS</a:t>
             </a:r>
             <a:r>
               <a:rPr lang="ko-KR" altLang="en-US" dirty="0" smtClean="0"/>
-              <a:t>의 </a:t>
-            </a:r>
-            <a:r>
-              <a:rPr lang="ko-KR" altLang="en-US" dirty="0" smtClean="0"/>
-              <a:t>기</a:t>
-            </a:r>
-            <a:r>
-              <a:rPr lang="ko-KR" altLang="en-US" dirty="0" smtClean="0"/>
-              <a:t>존</a:t>
-            </a:r>
-            <a:r>
-              <a:rPr lang="ko-KR" altLang="en-US" dirty="0" smtClean="0"/>
-              <a:t> </a:t>
-            </a:r>
-            <a:r>
-              <a:rPr lang="ko-KR" altLang="en-US" dirty="0" smtClean="0"/>
-              <a:t>샘플 활용</a:t>
+              <a:t>의 기존 샘플 활용</a:t>
             </a:r>
             <a:r>
               <a:rPr lang="en-US" altLang="ko-KR" dirty="0" smtClean="0"/>
@@ -8408,11 +8322,7 @@
             </a:r>
             <a:r>
               <a:rPr lang="ko-KR" altLang="en-US" dirty="0" smtClean="0"/>
-              <a:t>로봇 </a:t>
-            </a:r>
-            <a:r>
-              <a:rPr lang="ko-KR" altLang="en-US" dirty="0" smtClean="0"/>
-              <a:t>모션 제어</a:t>
+              <a:t>로봇 모션 제어</a:t>
             </a:r>
             <a:r>
               <a:rPr lang="en-US" altLang="ko-KR" dirty="0" smtClean="0"/>
@@ -8438,15 +8348,7 @@
             </a:r>
             <a:r>
               <a:rPr lang="ko-KR" altLang="en-US" dirty="0" smtClean="0"/>
-              <a:t>의 </a:t>
-            </a:r>
-            <a:r>
-              <a:rPr lang="ko-KR" altLang="en-US" dirty="0" smtClean="0"/>
-              <a:t>기존 </a:t>
-            </a:r>
-            <a:r>
-              <a:rPr lang="ko-KR" altLang="en-US" dirty="0" smtClean="0"/>
-              <a:t>구현된 모델들 활용</a:t>
+              <a:t>의 기존 구현된 모델들 활용</a:t>
             </a:r>
             <a:r>
               <a:rPr lang="en-US" altLang="ko-KR" dirty="0" smtClean="0"/>
@@ -8462,11 +8364,7 @@
           <a:p>
             <a:r>
               <a:rPr lang="en-US" altLang="ko-KR" dirty="0" smtClean="0"/>
-              <a:t> </a:t>
-            </a:r>
-            <a:r>
-              <a:rPr lang="en-US" altLang="ko-KR" dirty="0" smtClean="0"/>
-              <a:t>    </a:t>
+              <a:t>     </a:t>
             </a:r>
             <a:r>
               <a:rPr lang="en-US" altLang="ko-KR" dirty="0" err="1" smtClean="0"/>
@@ -8474,12 +8372,24 @@
             </a:r>
             <a:r>
               <a:rPr lang="en-US" altLang="ko-KR" dirty="0" smtClean="0"/>
-              <a:t> </a:t>
-            </a:r>
-            <a:r>
-              <a:rPr lang="en-US" altLang="ko-KR" dirty="0" smtClean="0"/>
-              <a:t>Project </a:t>
-            </a:r>
+              <a:t> Project </a:t>
+            </a:r>
+            <a:endParaRPr lang="en-US" altLang="ko-KR" dirty="0" smtClean="0"/>
+          </a:p>
+          <a:p>
+            <a:endParaRPr lang="en-US" altLang="ko-KR" dirty="0" smtClean="0"/>
+          </a:p>
+          <a:p>
+            <a:r>
+              <a:rPr lang="en-US" altLang="ko-KR" dirty="0" smtClean="0">
+                <a:hlinkClick r:id="rId2"/>
+              </a:rPr>
+              <a:t>https://github.com/Unity-Technologies/Unity-Robotics-Hub/blob/main/tutorials/pick_and_place/README.md#part-0-ros-setup</a:t>
+            </a:r>
+            <a:endParaRPr lang="en-US" altLang="ko-KR" dirty="0" smtClean="0"/>
+          </a:p>
+          <a:p>
+            <a:endParaRPr lang="en-US" altLang="ko-KR" dirty="0" smtClean="0"/>
           </a:p>
         </p:txBody>
       </p:sp>
@@ -8492,7 +8402,7 @@
           <p:nvPr/>
         </p:nvPicPr>
         <p:blipFill>
-          <a:blip r:embed="rId2"/>
+          <a:blip r:embed="rId3"/>
           <a:srcRect l="4509" t="3600" r="8621"/>
           <a:stretch>
             <a:fillRect/>
@@ -8512,7 +8422,7 @@
     </p:spTree>
     <p:extLst>
       <p:ext uri="{BB962C8B-B14F-4D97-AF65-F5344CB8AC3E}">
-        <p14:creationId xmlns:p14="http://schemas.microsoft.com/office/powerpoint/2010/main" xmlns="" val="1062904964"/>
+        <p14:creationId xmlns="" xmlns:p14="http://schemas.microsoft.com/office/powerpoint/2010/main" val="1062904964"/>
       </p:ext>
     </p:extLst>
   </p:cSld>
@@ -8544,7 +8454,7 @@
           <p:cNvPr id="20" name="TextBox 19">
             <a:extLst>
               <a:ext uri="{FF2B5EF4-FFF2-40B4-BE49-F238E27FC236}">
-                <a16:creationId xmlns:a16="http://schemas.microsoft.com/office/drawing/2014/main" xmlns="" id="{BB1F688A-EECA-AD4B-9974-52A755017E57}"/>
+                <a16:creationId xmlns="" xmlns:a16="http://schemas.microsoft.com/office/drawing/2014/main" id="{BB1F688A-EECA-AD4B-9974-52A755017E57}"/>
               </a:ext>
             </a:extLst>
           </p:cNvPr>
@@ -8601,7 +8511,7 @@
         <p:spPr>
           <a:xfrm>
             <a:off x="609599" y="1499229"/>
-            <a:ext cx="11001375" cy="6740307"/>
+            <a:ext cx="11001375" cy="6463308"/>
           </a:xfrm>
           <a:prstGeom prst="rect">
             <a:avLst/>
@@ -8625,19 +8535,11 @@
           <a:p>
             <a:r>
               <a:rPr lang="ko-KR" altLang="en-US" dirty="0" smtClean="0"/>
-              <a:t>기존 </a:t>
-            </a:r>
-            <a:r>
-              <a:rPr lang="ko-KR" altLang="en-US" dirty="0" smtClean="0"/>
-              <a:t>구현 샘플 참조 </a:t>
+              <a:t>기존 구현 샘플 참조 </a:t>
             </a:r>
             <a:r>
               <a:rPr lang="en-US" altLang="ko-KR" dirty="0" smtClean="0"/>
-              <a:t>: </a:t>
-            </a:r>
-            <a:r>
-              <a:rPr lang="en-US" altLang="ko-KR" dirty="0" smtClean="0"/>
-              <a:t>OPCUA4Unity</a:t>
+              <a:t>: OPCUA4Unity</a:t>
             </a:r>
           </a:p>
           <a:p>
@@ -8685,21 +8587,6 @@
             <a:endParaRPr lang="en-US" altLang="ko-KR" dirty="0" smtClean="0"/>
           </a:p>
           <a:p>
-            <a:r>
-              <a:rPr lang="en-US" altLang="ko-KR" dirty="0" smtClean="0">
-                <a:hlinkClick r:id="rId2"/>
-              </a:rPr>
-              <a:t>https://</a:t>
-            </a:r>
-            <a:r>
-              <a:rPr lang="en-US" altLang="ko-KR" dirty="0" smtClean="0">
-                <a:hlinkClick r:id="rId2"/>
-              </a:rPr>
-              <a:t>github.com/Unity-Technologies/Unity-Robotics-Hub/blob/main/tutorials/pick_and_place/README.md#part-0-ros-setup</a:t>
-            </a:r>
-            <a:endParaRPr lang="en-US" altLang="ko-KR" dirty="0" smtClean="0"/>
-          </a:p>
-          <a:p>
             <a:endParaRPr lang="en-US" altLang="ko-KR" dirty="0" smtClean="0"/>
           </a:p>
           <a:p>
@@ -8707,6 +8594,10 @@
               <a:rPr lang="ko-KR" altLang="en-US" dirty="0" smtClean="0"/>
               <a:t>요구사항</a:t>
             </a:r>
+            <a:endParaRPr lang="en-US" altLang="ko-KR" dirty="0" smtClean="0"/>
+          </a:p>
+          <a:p>
+            <a:endParaRPr lang="ko-KR" altLang="en-US" dirty="0" smtClean="0"/>
           </a:p>
           <a:p>
             <a:r>
@@ -8823,12 +8714,12 @@
               <a:t>7</a:t>
             </a:r>
             <a:r>
-              <a:rPr lang="ko-KR" altLang="en-US" dirty="0" err="1" smtClean="0"/>
-              <a:t>월안에</a:t>
+              <a:rPr lang="ko-KR" altLang="en-US" smtClean="0"/>
+              <a:t>월 안에 </a:t>
             </a:r>
             <a:r>
               <a:rPr lang="ko-KR" altLang="en-US" dirty="0" smtClean="0"/>
-              <a:t> 했으면 좋겠다고 함</a:t>
+              <a:t>했으면 좋겠다고 함</a:t>
             </a:r>
             <a:r>
               <a:rPr lang="en-US" altLang="ko-KR" dirty="0" smtClean="0"/>
@@ -8865,7 +8756,7 @@
     </p:spTree>
     <p:extLst>
       <p:ext uri="{BB962C8B-B14F-4D97-AF65-F5344CB8AC3E}">
-        <p14:creationId xmlns:p14="http://schemas.microsoft.com/office/powerpoint/2010/main" xmlns="" val="1062904964"/>
+        <p14:creationId xmlns="" xmlns:p14="http://schemas.microsoft.com/office/powerpoint/2010/main" val="1062904964"/>
       </p:ext>
     </p:extLst>
   </p:cSld>
@@ -9164,7 +9055,7 @@
   <a:extraClrSchemeLst/>
   <a:extLst>
     <a:ext uri="{05A4C25C-085E-4340-85A3-A5531E510DB2}">
-      <thm15:themeFamily xmlns:thm15="http://schemas.microsoft.com/office/thememl/2012/main" xmlns="" name="Office Theme" id="{62F939B6-93AF-4DB8-9C6B-D6C7DFDC589F}" vid="{4A3C46E8-61CC-4603-A589-7422A47A8E4A}"/>
+      <thm15:themeFamily xmlns="" xmlns:thm15="http://schemas.microsoft.com/office/thememl/2012/main" name="Office Theme" id="{62F939B6-93AF-4DB8-9C6B-D6C7DFDC589F}" vid="{4A3C46E8-61CC-4603-A589-7422A47A8E4A}"/>
     </a:ext>
   </a:extLst>
 </a:theme>
@@ -9459,7 +9350,7 @@
   <a:extraClrSchemeLst/>
   <a:extLst>
     <a:ext uri="{05A4C25C-085E-4340-85A3-A5531E510DB2}">
-      <thm15:themeFamily xmlns:thm15="http://schemas.microsoft.com/office/thememl/2012/main" xmlns="" name="Office Theme" id="{62F939B6-93AF-4DB8-9C6B-D6C7DFDC589F}" vid="{4A3C46E8-61CC-4603-A589-7422A47A8E4A}"/>
+      <thm15:themeFamily xmlns="" xmlns:thm15="http://schemas.microsoft.com/office/thememl/2012/main" name="Office Theme" id="{62F939B6-93AF-4DB8-9C6B-D6C7DFDC589F}" vid="{4A3C46E8-61CC-4603-A589-7422A47A8E4A}"/>
     </a:ext>
   </a:extLst>
 </a:theme>
